--- a/Project4_presentation.pptx
+++ b/Project4_presentation.pptx
@@ -13,13 +13,15 @@
     <p:sldId id="272" r:id="rId7"/>
     <p:sldId id="269" r:id="rId8"/>
     <p:sldId id="278" r:id="rId9"/>
-    <p:sldId id="270" r:id="rId10"/>
-    <p:sldId id="279" r:id="rId11"/>
-    <p:sldId id="282" r:id="rId12"/>
-    <p:sldId id="281" r:id="rId13"/>
-    <p:sldId id="275" r:id="rId14"/>
-    <p:sldId id="271" r:id="rId15"/>
-    <p:sldId id="274" r:id="rId16"/>
+    <p:sldId id="283" r:id="rId10"/>
+    <p:sldId id="270" r:id="rId11"/>
+    <p:sldId id="284" r:id="rId12"/>
+    <p:sldId id="282" r:id="rId13"/>
+    <p:sldId id="285" r:id="rId14"/>
+    <p:sldId id="279" r:id="rId15"/>
+    <p:sldId id="275" r:id="rId16"/>
+    <p:sldId id="271" r:id="rId17"/>
+    <p:sldId id="274" r:id="rId18"/>
   </p:sldIdLst>
   <p:sldSz cx="12192000" cy="6858000"/>
   <p:notesSz cx="6858000" cy="9144000"/>
@@ -329,7 +331,7 @@
           <a:p>
             <a:fld id="{FFD8E3DA-06A7-4017-AD9B-43907ED0ACB3}" type="datetimeFigureOut">
               <a:rPr lang="en-US" smtClean="0"/>
-              <a:t>8/29/2022</a:t>
+              <a:t>8/30/2022</a:t>
             </a:fld>
             <a:endParaRPr lang="en-US"/>
           </a:p>
@@ -765,7 +767,7 @@
           <a:p>
             <a:fld id="{FFD8E3DA-06A7-4017-AD9B-43907ED0ACB3}" type="datetimeFigureOut">
               <a:rPr lang="en-US" smtClean="0"/>
-              <a:t>8/29/2022</a:t>
+              <a:t>8/30/2022</a:t>
             </a:fld>
             <a:endParaRPr lang="en-US"/>
           </a:p>
@@ -1015,7 +1017,7 @@
           <a:p>
             <a:fld id="{FFD8E3DA-06A7-4017-AD9B-43907ED0ACB3}" type="datetimeFigureOut">
               <a:rPr lang="en-US" smtClean="0"/>
-              <a:t>8/29/2022</a:t>
+              <a:t>8/30/2022</a:t>
             </a:fld>
             <a:endParaRPr lang="en-US"/>
           </a:p>
@@ -1323,7 +1325,7 @@
           <a:p>
             <a:fld id="{FFD8E3DA-06A7-4017-AD9B-43907ED0ACB3}" type="datetimeFigureOut">
               <a:rPr lang="en-US" smtClean="0"/>
-              <a:t>8/29/2022</a:t>
+              <a:t>8/30/2022</a:t>
             </a:fld>
             <a:endParaRPr lang="en-US"/>
           </a:p>
@@ -1641,7 +1643,7 @@
           <a:p>
             <a:fld id="{FFD8E3DA-06A7-4017-AD9B-43907ED0ACB3}" type="datetimeFigureOut">
               <a:rPr lang="en-US" smtClean="0"/>
-              <a:t>8/29/2022</a:t>
+              <a:t>8/30/2022</a:t>
             </a:fld>
             <a:endParaRPr lang="en-US"/>
           </a:p>
@@ -1943,7 +1945,7 @@
           <a:p>
             <a:fld id="{FFD8E3DA-06A7-4017-AD9B-43907ED0ACB3}" type="datetimeFigureOut">
               <a:rPr lang="en-US" smtClean="0"/>
-              <a:t>8/29/2022</a:t>
+              <a:t>8/30/2022</a:t>
             </a:fld>
             <a:endParaRPr lang="en-US"/>
           </a:p>
@@ -2310,7 +2312,7 @@
           <a:p>
             <a:fld id="{FFD8E3DA-06A7-4017-AD9B-43907ED0ACB3}" type="datetimeFigureOut">
               <a:rPr lang="en-US" smtClean="0"/>
-              <a:t>8/29/2022</a:t>
+              <a:t>8/30/2022</a:t>
             </a:fld>
             <a:endParaRPr lang="en-US"/>
           </a:p>
@@ -2484,7 +2486,7 @@
           <a:p>
             <a:fld id="{FFD8E3DA-06A7-4017-AD9B-43907ED0ACB3}" type="datetimeFigureOut">
               <a:rPr lang="en-US" smtClean="0"/>
-              <a:t>8/29/2022</a:t>
+              <a:t>8/30/2022</a:t>
             </a:fld>
             <a:endParaRPr lang="en-US"/>
           </a:p>
@@ -2664,7 +2666,7 @@
           <a:p>
             <a:fld id="{FFD8E3DA-06A7-4017-AD9B-43907ED0ACB3}" type="datetimeFigureOut">
               <a:rPr lang="en-US" smtClean="0"/>
-              <a:t>8/29/2022</a:t>
+              <a:t>8/30/2022</a:t>
             </a:fld>
             <a:endParaRPr lang="en-US"/>
           </a:p>
@@ -2834,7 +2836,7 @@
           <a:p>
             <a:fld id="{FFD8E3DA-06A7-4017-AD9B-43907ED0ACB3}" type="datetimeFigureOut">
               <a:rPr lang="en-US" smtClean="0"/>
-              <a:t>8/29/2022</a:t>
+              <a:t>8/30/2022</a:t>
             </a:fld>
             <a:endParaRPr lang="en-US"/>
           </a:p>
@@ -3084,7 +3086,7 @@
           <a:p>
             <a:fld id="{FFD8E3DA-06A7-4017-AD9B-43907ED0ACB3}" type="datetimeFigureOut">
               <a:rPr lang="en-US" smtClean="0"/>
-              <a:t>8/29/2022</a:t>
+              <a:t>8/30/2022</a:t>
             </a:fld>
             <a:endParaRPr lang="en-US"/>
           </a:p>
@@ -3320,7 +3322,7 @@
           <a:p>
             <a:fld id="{FFD8E3DA-06A7-4017-AD9B-43907ED0ACB3}" type="datetimeFigureOut">
               <a:rPr lang="en-US" smtClean="0"/>
-              <a:t>8/29/2022</a:t>
+              <a:t>8/30/2022</a:t>
             </a:fld>
             <a:endParaRPr lang="en-US"/>
           </a:p>
@@ -3702,7 +3704,7 @@
           <a:p>
             <a:fld id="{FFD8E3DA-06A7-4017-AD9B-43907ED0ACB3}" type="datetimeFigureOut">
               <a:rPr lang="en-US" smtClean="0"/>
-              <a:t>8/29/2022</a:t>
+              <a:t>8/30/2022</a:t>
             </a:fld>
             <a:endParaRPr lang="en-US"/>
           </a:p>
@@ -3820,7 +3822,7 @@
           <a:p>
             <a:fld id="{FFD8E3DA-06A7-4017-AD9B-43907ED0ACB3}" type="datetimeFigureOut">
               <a:rPr lang="en-US" smtClean="0"/>
-              <a:t>8/29/2022</a:t>
+              <a:t>8/30/2022</a:t>
             </a:fld>
             <a:endParaRPr lang="en-US"/>
           </a:p>
@@ -3915,7 +3917,7 @@
           <a:p>
             <a:fld id="{FFD8E3DA-06A7-4017-AD9B-43907ED0ACB3}" type="datetimeFigureOut">
               <a:rPr lang="en-US" smtClean="0"/>
-              <a:t>8/29/2022</a:t>
+              <a:t>8/30/2022</a:t>
             </a:fld>
             <a:endParaRPr lang="en-US"/>
           </a:p>
@@ -4170,7 +4172,7 @@
           <a:p>
             <a:fld id="{FFD8E3DA-06A7-4017-AD9B-43907ED0ACB3}" type="datetimeFigureOut">
               <a:rPr lang="en-US" smtClean="0"/>
-              <a:t>8/29/2022</a:t>
+              <a:t>8/30/2022</a:t>
             </a:fld>
             <a:endParaRPr lang="en-US"/>
           </a:p>
@@ -4453,7 +4455,7 @@
           <a:p>
             <a:fld id="{FFD8E3DA-06A7-4017-AD9B-43907ED0ACB3}" type="datetimeFigureOut">
               <a:rPr lang="en-US" smtClean="0"/>
-              <a:t>8/29/2022</a:t>
+              <a:t>8/30/2022</a:t>
             </a:fld>
             <a:endParaRPr lang="en-US"/>
           </a:p>
@@ -4859,7 +4861,7 @@
           <a:p>
             <a:fld id="{FFD8E3DA-06A7-4017-AD9B-43907ED0ACB3}" type="datetimeFigureOut">
               <a:rPr lang="en-US" smtClean="0"/>
-              <a:t>8/29/2022</a:t>
+              <a:t>8/30/2022</a:t>
             </a:fld>
             <a:endParaRPr lang="en-US"/>
           </a:p>
@@ -5509,7 +5511,7 @@
                 </a:solidFill>
                 <a:latin typeface="Algerian" panose="04020705040A02060702" pitchFamily="82" charset="0"/>
               </a:rPr>
-              <a:t>Credit Card Approval Prediction</a:t>
+              <a:t>Loan Approval Prediction</a:t>
             </a:r>
             <a:br>
               <a:rPr lang="en-US" sz="6600" dirty="0">
@@ -5585,43 +5587,7 @@
                 </a:solidFill>
                 <a:latin typeface="Algerian" panose="04020705040A02060702" pitchFamily="82" charset="0"/>
               </a:rPr>
-              <a:t>Rashmi Rekha, Andrew cowan, </a:t>
-            </a:r>
-            <a:r>
-              <a:rPr lang="en-US" dirty="0" err="1">
-                <a:solidFill>
-                  <a:schemeClr val="tx1"/>
-                </a:solidFill>
-                <a:latin typeface="Algerian" panose="04020705040A02060702" pitchFamily="82" charset="0"/>
-              </a:rPr>
-              <a:t>Kadien</a:t>
-            </a:r>
-            <a:r>
-              <a:rPr lang="en-US" dirty="0">
-                <a:solidFill>
-                  <a:schemeClr val="tx1"/>
-                </a:solidFill>
-                <a:latin typeface="Algerian" panose="04020705040A02060702" pitchFamily="82" charset="0"/>
-              </a:rPr>
-              <a:t> peart, </a:t>
-            </a:r>
-            <a:r>
-              <a:rPr lang="en-US" dirty="0" err="1">
-                <a:solidFill>
-                  <a:schemeClr val="tx1"/>
-                </a:solidFill>
-                <a:latin typeface="Algerian" panose="04020705040A02060702" pitchFamily="82" charset="0"/>
-              </a:rPr>
-              <a:t>Daneil</a:t>
-            </a:r>
-            <a:r>
-              <a:rPr lang="en-US" dirty="0">
-                <a:solidFill>
-                  <a:schemeClr val="tx1"/>
-                </a:solidFill>
-                <a:latin typeface="Algerian" panose="04020705040A02060702" pitchFamily="82" charset="0"/>
-              </a:rPr>
-              <a:t> </a:t>
+              <a:t>Rashmi Rekha, Andrew cowan, Kadien peart, Daniel </a:t>
             </a:r>
             <a:r>
               <a:rPr lang="en-US" dirty="0" err="1">
@@ -5708,8 +5674,8 @@
         </p:nvSpPr>
         <p:spPr>
           <a:xfrm>
-            <a:off x="1372579" y="80600"/>
-            <a:ext cx="8534401" cy="2281600"/>
+            <a:off x="1372580" y="265176"/>
+            <a:ext cx="8534401" cy="1018032"/>
           </a:xfrm>
         </p:spPr>
         <p:txBody>
@@ -5718,6 +5684,15 @@
           <a:p>
             <a:pPr algn="ctr"/>
             <a:r>
+              <a:rPr lang="en-US" sz="5400" dirty="0">
+                <a:solidFill>
+                  <a:srgbClr val="FFFF00"/>
+                </a:solidFill>
+                <a:latin typeface="Algerian" panose="04020705040A02060702" pitchFamily="82" charset="0"/>
+              </a:rPr>
+              <a:t>modelling</a:t>
+            </a:r>
+            <a:r>
               <a:rPr lang="en-US" sz="5400" b="0" i="0" dirty="0">
                 <a:solidFill>
                   <a:srgbClr val="FFFF00"/>
@@ -5725,7 +5700,7 @@
                 <a:effectLst/>
                 <a:latin typeface="Algerian" panose="04020705040A02060702" pitchFamily="82" charset="0"/>
               </a:rPr>
-              <a:t>evaluation:</a:t>
+              <a:t>:</a:t>
             </a:r>
             <a:endParaRPr lang="en-US" sz="5400" dirty="0"/>
           </a:p>
@@ -5749,14 +5724,12 @@
         </p:nvSpPr>
         <p:spPr>
           <a:xfrm>
-            <a:off x="1305800" y="2898168"/>
+            <a:off x="1372581" y="1471704"/>
             <a:ext cx="8534400" cy="1498600"/>
           </a:xfrm>
         </p:spPr>
         <p:txBody>
-          <a:bodyPr>
-            <a:normAutofit fontScale="85000" lnSpcReduction="10000"/>
-          </a:bodyPr>
+          <a:bodyPr/>
           <a:lstStyle/>
           <a:p>
             <a:pPr marL="285750" indent="-285750">
@@ -5789,7 +5762,7 @@
                 </a:solidFill>
                 <a:latin typeface="Bookman Old Style" panose="02050604050505020204" pitchFamily="18" charset="0"/>
               </a:rPr>
-              <a:t> we </a:t>
+              <a:t>we </a:t>
             </a:r>
             <a:r>
               <a:rPr lang="en-US" b="0" i="0" dirty="0">
@@ -5799,26 +5772,7 @@
                 <a:effectLst/>
                 <a:latin typeface="Bookman Old Style" panose="02050604050505020204" pitchFamily="18" charset="0"/>
               </a:rPr>
-              <a:t>are use a simpler approach by using the </a:t>
-            </a:r>
-            <a:r>
-              <a:rPr lang="en-US" dirty="0">
-                <a:solidFill>
-                  <a:schemeClr val="tx1"/>
-                </a:solidFill>
-                <a:latin typeface="Bookman Old Style" panose="02050604050505020204" pitchFamily="18" charset="0"/>
-              </a:rPr>
-              <a:t>C</a:t>
-            </a:r>
-            <a:r>
-              <a:rPr lang="en-US" b="0" i="0" dirty="0">
-                <a:solidFill>
-                  <a:schemeClr val="tx1"/>
-                </a:solidFill>
-                <a:effectLst/>
-                <a:latin typeface="Bookman Old Style" panose="02050604050505020204" pitchFamily="18" charset="0"/>
-              </a:rPr>
-              <a:t>onfusion matrix.</a:t>
+              <a:t>decided to use an efficient approach by using the Logistic Regression algorithm. </a:t>
             </a:r>
           </a:p>
           <a:p>
@@ -5833,23 +5787,7 @@
                 </a:solidFill>
                 <a:latin typeface="Bookman Old Style" panose="02050604050505020204" pitchFamily="18" charset="0"/>
               </a:rPr>
-              <a:t>Evaluation analysis refers to the description and model regularities or trend for objects whose behavior changes overtime.</a:t>
-            </a:r>
-          </a:p>
-          <a:p>
-            <a:pPr marL="285750" indent="-285750">
-              <a:buFont typeface="Wingdings" panose="05000000000000000000" pitchFamily="2" charset="2"/>
-              <a:buChar char="Ø"/>
-            </a:pPr>
-            <a:r>
-              <a:rPr lang="en-US" b="0" i="0" dirty="0">
-                <a:solidFill>
-                  <a:schemeClr val="tx1"/>
-                </a:solidFill>
-                <a:effectLst/>
-                <a:latin typeface="Bookman Old Style" panose="02050604050505020204" pitchFamily="18" charset="0"/>
-              </a:rPr>
-              <a:t>Common metrics calculated from the Confusion metrics are Precision and Accuracy.</a:t>
+              <a:t>Logistic regression takes in independent features and returns output as categorical output.</a:t>
             </a:r>
           </a:p>
           <a:p>
@@ -5861,10 +5799,70 @@
           </a:p>
         </p:txBody>
       </p:sp>
+      <p:pic>
+        <p:nvPicPr>
+          <p:cNvPr id="7" name="Picture 6">
+            <a:extLst>
+              <a:ext uri="{FF2B5EF4-FFF2-40B4-BE49-F238E27FC236}">
+                <a16:creationId xmlns:a16="http://schemas.microsoft.com/office/drawing/2014/main" id="{D66942F8-4019-D175-AF03-FFC8AB4A81FF}"/>
+              </a:ext>
+            </a:extLst>
+          </p:cNvPr>
+          <p:cNvPicPr>
+            <a:picLocks noChangeAspect="1"/>
+          </p:cNvPicPr>
+          <p:nvPr/>
+        </p:nvPicPr>
+        <p:blipFill>
+          <a:blip r:embed="rId2"/>
+          <a:stretch>
+            <a:fillRect/>
+          </a:stretch>
+        </p:blipFill>
+        <p:spPr>
+          <a:xfrm>
+            <a:off x="1372580" y="2789198"/>
+            <a:ext cx="9083827" cy="739204"/>
+          </a:xfrm>
+          <a:prstGeom prst="rect">
+            <a:avLst/>
+          </a:prstGeom>
+        </p:spPr>
+      </p:pic>
+      <p:pic>
+        <p:nvPicPr>
+          <p:cNvPr id="9" name="Picture 8">
+            <a:extLst>
+              <a:ext uri="{FF2B5EF4-FFF2-40B4-BE49-F238E27FC236}">
+                <a16:creationId xmlns:a16="http://schemas.microsoft.com/office/drawing/2014/main" id="{5D1B82ED-ADC9-80CF-8195-522DC6E78A5D}"/>
+              </a:ext>
+            </a:extLst>
+          </p:cNvPr>
+          <p:cNvPicPr>
+            <a:picLocks noChangeAspect="1"/>
+          </p:cNvPicPr>
+          <p:nvPr/>
+        </p:nvPicPr>
+        <p:blipFill>
+          <a:blip r:embed="rId3"/>
+          <a:stretch>
+            <a:fillRect/>
+          </a:stretch>
+        </p:blipFill>
+        <p:spPr>
+          <a:xfrm>
+            <a:off x="1372580" y="3528402"/>
+            <a:ext cx="9083827" cy="3213256"/>
+          </a:xfrm>
+          <a:prstGeom prst="rect">
+            <a:avLst/>
+          </a:prstGeom>
+        </p:spPr>
+      </p:pic>
     </p:spTree>
     <p:extLst>
       <p:ext uri="{BB962C8B-B14F-4D97-AF65-F5344CB8AC3E}">
-        <p14:creationId xmlns:p14="http://schemas.microsoft.com/office/powerpoint/2010/main" val="2508716405"/>
+        <p14:creationId xmlns:p14="http://schemas.microsoft.com/office/powerpoint/2010/main" val="1404176688"/>
       </p:ext>
     </p:extLst>
   </p:cSld>
@@ -5896,7 +5894,7 @@
           <p:cNvPr id="2" name="Title 1">
             <a:extLst>
               <a:ext uri="{FF2B5EF4-FFF2-40B4-BE49-F238E27FC236}">
-                <a16:creationId xmlns:a16="http://schemas.microsoft.com/office/drawing/2014/main" id="{DADE65B5-74DC-8DF2-C5D2-D5DE9C6FEF84}"/>
+                <a16:creationId xmlns:a16="http://schemas.microsoft.com/office/drawing/2014/main" id="{E868016C-BAB7-4950-C1F6-B11CBE198948}"/>
               </a:ext>
             </a:extLst>
           </p:cNvPr>
@@ -5904,61 +5902,118 @@
             <a:spLocks noGrp="1"/>
           </p:cNvSpPr>
           <p:nvPr>
-            <p:ph type="ctrTitle"/>
+            <p:ph type="title"/>
           </p:nvPr>
         </p:nvSpPr>
         <p:spPr>
           <a:xfrm>
-            <a:off x="684212" y="1660358"/>
-            <a:ext cx="8868862" cy="1130968"/>
+            <a:off x="1400288" y="246854"/>
+            <a:ext cx="8534401" cy="861510"/>
           </a:xfrm>
         </p:spPr>
         <p:txBody>
-          <a:bodyPr/>
+          <a:bodyPr>
+            <a:normAutofit fontScale="90000"/>
+          </a:bodyPr>
           <a:lstStyle/>
           <a:p>
             <a:pPr algn="ctr"/>
             <a:r>
-              <a:rPr lang="en-US" dirty="0">
+              <a:rPr lang="en-US" sz="5400" dirty="0">
                 <a:solidFill>
                   <a:srgbClr val="FFFF00"/>
                 </a:solidFill>
                 <a:latin typeface="Algerian" panose="04020705040A02060702" pitchFamily="82" charset="0"/>
               </a:rPr>
-              <a:t>Optimization:</a:t>
-            </a:r>
-          </a:p>
-        </p:txBody>
-      </p:sp>
-      <p:sp>
-        <p:nvSpPr>
-          <p:cNvPr id="3" name="Subtitle 2">
+              <a:t>Modelling </a:t>
+            </a:r>
+            <a:r>
+              <a:rPr lang="en-US" sz="5400" dirty="0" err="1">
+                <a:solidFill>
+                  <a:srgbClr val="FFFF00"/>
+                </a:solidFill>
+                <a:latin typeface="Algerian" panose="04020705040A02060702" pitchFamily="82" charset="0"/>
+              </a:rPr>
+              <a:t>cont</a:t>
+            </a:r>
+            <a:r>
+              <a:rPr lang="en-US" sz="5400" b="0" i="0" dirty="0">
+                <a:solidFill>
+                  <a:srgbClr val="FFFF00"/>
+                </a:solidFill>
+                <a:effectLst/>
+                <a:latin typeface="Algerian" panose="04020705040A02060702" pitchFamily="82" charset="0"/>
+              </a:rPr>
+              <a:t>:</a:t>
+            </a:r>
+            <a:endParaRPr lang="en-US" sz="5400" dirty="0"/>
+          </a:p>
+        </p:txBody>
+      </p:sp>
+      <p:pic>
+        <p:nvPicPr>
+          <p:cNvPr id="11" name="Picture 10">
             <a:extLst>
               <a:ext uri="{FF2B5EF4-FFF2-40B4-BE49-F238E27FC236}">
-                <a16:creationId xmlns:a16="http://schemas.microsoft.com/office/drawing/2014/main" id="{F19B4F49-72AC-3B97-C045-7B8CDD34E742}"/>
+                <a16:creationId xmlns:a16="http://schemas.microsoft.com/office/drawing/2014/main" id="{6EAD2ADE-AE20-33C3-4712-3658B3668961}"/>
               </a:ext>
             </a:extLst>
           </p:cNvPr>
-          <p:cNvSpPr>
-            <a:spLocks noGrp="1"/>
-          </p:cNvSpPr>
-          <p:nvPr>
-            <p:ph type="subTitle" idx="1"/>
-          </p:nvPr>
-        </p:nvSpPr>
-        <p:spPr/>
-        <p:txBody>
-          <a:bodyPr/>
-          <a:lstStyle/>
-          <a:p>
-            <a:endParaRPr lang="en-US"/>
-          </a:p>
-        </p:txBody>
-      </p:sp>
+          <p:cNvPicPr>
+            <a:picLocks noChangeAspect="1"/>
+          </p:cNvPicPr>
+          <p:nvPr/>
+        </p:nvPicPr>
+        <p:blipFill>
+          <a:blip r:embed="rId2"/>
+          <a:stretch>
+            <a:fillRect/>
+          </a:stretch>
+        </p:blipFill>
+        <p:spPr>
+          <a:xfrm>
+            <a:off x="1950361" y="1467269"/>
+            <a:ext cx="8291278" cy="967824"/>
+          </a:xfrm>
+          <a:prstGeom prst="rect">
+            <a:avLst/>
+          </a:prstGeom>
+        </p:spPr>
+      </p:pic>
+      <p:pic>
+        <p:nvPicPr>
+          <p:cNvPr id="13" name="Picture 12">
+            <a:extLst>
+              <a:ext uri="{FF2B5EF4-FFF2-40B4-BE49-F238E27FC236}">
+                <a16:creationId xmlns:a16="http://schemas.microsoft.com/office/drawing/2014/main" id="{68265198-FE5C-1E26-98B9-4F40DDED78BD}"/>
+              </a:ext>
+            </a:extLst>
+          </p:cNvPr>
+          <p:cNvPicPr>
+            <a:picLocks noChangeAspect="1"/>
+          </p:cNvPicPr>
+          <p:nvPr/>
+        </p:nvPicPr>
+        <p:blipFill>
+          <a:blip r:embed="rId3"/>
+          <a:stretch>
+            <a:fillRect/>
+          </a:stretch>
+        </p:blipFill>
+        <p:spPr>
+          <a:xfrm>
+            <a:off x="1912257" y="2581627"/>
+            <a:ext cx="8329382" cy="3856054"/>
+          </a:xfrm>
+          <a:prstGeom prst="rect">
+            <a:avLst/>
+          </a:prstGeom>
+        </p:spPr>
+      </p:pic>
     </p:spTree>
     <p:extLst>
       <p:ext uri="{BB962C8B-B14F-4D97-AF65-F5344CB8AC3E}">
-        <p14:creationId xmlns:p14="http://schemas.microsoft.com/office/powerpoint/2010/main" val="2144470064"/>
+        <p14:creationId xmlns:p14="http://schemas.microsoft.com/office/powerpoint/2010/main" val="2377663021"/>
       </p:ext>
     </p:extLst>
   </p:cSld>
@@ -5990,7 +6045,7 @@
           <p:cNvPr id="2" name="Title 1">
             <a:extLst>
               <a:ext uri="{FF2B5EF4-FFF2-40B4-BE49-F238E27FC236}">
-                <a16:creationId xmlns:a16="http://schemas.microsoft.com/office/drawing/2014/main" id="{9B084A44-C286-EE39-9796-AB6912205EFC}"/>
+                <a16:creationId xmlns:a16="http://schemas.microsoft.com/office/drawing/2014/main" id="{DADE65B5-74DC-8DF2-C5D2-D5DE9C6FEF84}"/>
               </a:ext>
             </a:extLst>
           </p:cNvPr>
@@ -6003,8 +6058,8 @@
         </p:nvSpPr>
         <p:spPr>
           <a:xfrm>
-            <a:off x="1630696" y="1122947"/>
-            <a:ext cx="8001000" cy="1421955"/>
+            <a:off x="1388300" y="206462"/>
+            <a:ext cx="8868862" cy="1130968"/>
           </a:xfrm>
         </p:spPr>
         <p:txBody>
@@ -6019,40 +6074,338 @@
                 </a:solidFill>
                 <a:latin typeface="Algerian" panose="04020705040A02060702" pitchFamily="82" charset="0"/>
               </a:rPr>
-              <a:t>Comparison:</a:t>
-            </a:r>
-          </a:p>
-        </p:txBody>
-      </p:sp>
-      <p:sp>
-        <p:nvSpPr>
-          <p:cNvPr id="3" name="Subtitle 2">
+              <a:t>Optimization:</a:t>
+            </a:r>
+          </a:p>
+        </p:txBody>
+      </p:sp>
+      <p:sp>
+        <p:nvSpPr>
+          <p:cNvPr id="4" name="Text Placeholder 2">
             <a:extLst>
               <a:ext uri="{FF2B5EF4-FFF2-40B4-BE49-F238E27FC236}">
-                <a16:creationId xmlns:a16="http://schemas.microsoft.com/office/drawing/2014/main" id="{12D0EA67-A988-65FD-0A73-180422DF6828}"/>
+                <a16:creationId xmlns:a16="http://schemas.microsoft.com/office/drawing/2014/main" id="{ABA0DA18-8674-8F9A-EFCE-F97336EB628D}"/>
               </a:ext>
             </a:extLst>
           </p:cNvPr>
-          <p:cNvSpPr>
-            <a:spLocks noGrp="1"/>
-          </p:cNvSpPr>
-          <p:nvPr>
-            <p:ph type="subTitle" idx="1"/>
-          </p:nvPr>
-        </p:nvSpPr>
-        <p:spPr/>
-        <p:txBody>
-          <a:bodyPr/>
-          <a:lstStyle/>
-          <a:p>
-            <a:endParaRPr lang="en-US"/>
-          </a:p>
-        </p:txBody>
-      </p:sp>
+          <p:cNvSpPr txBox="1">
+            <a:spLocks/>
+          </p:cNvSpPr>
+          <p:nvPr/>
+        </p:nvSpPr>
+        <p:spPr>
+          <a:xfrm>
+            <a:off x="1372581" y="1471704"/>
+            <a:ext cx="8534400" cy="1498600"/>
+          </a:xfrm>
+          <a:prstGeom prst="rect">
+            <a:avLst/>
+          </a:prstGeom>
+        </p:spPr>
+        <p:txBody>
+          <a:bodyPr vert="horz" lIns="91440" tIns="45720" rIns="91440" bIns="45720" rtlCol="0" anchor="t">
+            <a:normAutofit fontScale="92500"/>
+          </a:bodyPr>
+          <a:lstStyle>
+            <a:lvl1pPr marL="0" indent="0" algn="l" defTabSz="457200" rtl="0" eaLnBrk="1" latinLnBrk="0" hangingPunct="1">
+              <a:spcBef>
+                <a:spcPct val="20000"/>
+              </a:spcBef>
+              <a:spcAft>
+                <a:spcPts val="600"/>
+              </a:spcAft>
+              <a:buClr>
+                <a:schemeClr val="tx1"/>
+              </a:buClr>
+              <a:buSzPct val="80000"/>
+              <a:buFont typeface="Wingdings 3" panose="05040102010807070707" pitchFamily="18" charset="2"/>
+              <a:buNone/>
+              <a:defRPr sz="2100" kern="1200" cap="none">
+                <a:solidFill>
+                  <a:schemeClr val="bg2">
+                    <a:lumMod val="75000"/>
+                  </a:schemeClr>
+                </a:solidFill>
+                <a:effectLst/>
+                <a:latin typeface="+mn-lt"/>
+                <a:ea typeface="+mn-ea"/>
+                <a:cs typeface="+mn-cs"/>
+              </a:defRPr>
+            </a:lvl1pPr>
+            <a:lvl2pPr marL="457200" indent="0" algn="ctr" defTabSz="457200" rtl="0" eaLnBrk="1" latinLnBrk="0" hangingPunct="1">
+              <a:spcBef>
+                <a:spcPct val="20000"/>
+              </a:spcBef>
+              <a:spcAft>
+                <a:spcPts val="600"/>
+              </a:spcAft>
+              <a:buClr>
+                <a:schemeClr val="tx1"/>
+              </a:buClr>
+              <a:buSzPct val="80000"/>
+              <a:buFont typeface="Wingdings 3" panose="05040102010807070707" pitchFamily="18" charset="2"/>
+              <a:buNone/>
+              <a:defRPr sz="1800" kern="1200" cap="none">
+                <a:solidFill>
+                  <a:schemeClr val="tx1">
+                    <a:tint val="75000"/>
+                  </a:schemeClr>
+                </a:solidFill>
+                <a:effectLst/>
+                <a:latin typeface="+mn-lt"/>
+                <a:ea typeface="+mn-ea"/>
+                <a:cs typeface="+mn-cs"/>
+              </a:defRPr>
+            </a:lvl2pPr>
+            <a:lvl3pPr marL="914400" indent="0" algn="ctr" defTabSz="457200" rtl="0" eaLnBrk="1" latinLnBrk="0" hangingPunct="1">
+              <a:spcBef>
+                <a:spcPct val="20000"/>
+              </a:spcBef>
+              <a:spcAft>
+                <a:spcPts val="600"/>
+              </a:spcAft>
+              <a:buClr>
+                <a:schemeClr val="tx1"/>
+              </a:buClr>
+              <a:buSzPct val="80000"/>
+              <a:buFont typeface="Wingdings 3" panose="05040102010807070707" pitchFamily="18" charset="2"/>
+              <a:buNone/>
+              <a:defRPr sz="1600" kern="1200" cap="none">
+                <a:solidFill>
+                  <a:schemeClr val="tx1">
+                    <a:tint val="75000"/>
+                  </a:schemeClr>
+                </a:solidFill>
+                <a:effectLst/>
+                <a:latin typeface="+mn-lt"/>
+                <a:ea typeface="+mn-ea"/>
+                <a:cs typeface="+mn-cs"/>
+              </a:defRPr>
+            </a:lvl3pPr>
+            <a:lvl4pPr marL="1371600" indent="0" algn="ctr" defTabSz="457200" rtl="0" eaLnBrk="1" latinLnBrk="0" hangingPunct="1">
+              <a:spcBef>
+                <a:spcPct val="20000"/>
+              </a:spcBef>
+              <a:spcAft>
+                <a:spcPts val="600"/>
+              </a:spcAft>
+              <a:buClr>
+                <a:schemeClr val="tx1"/>
+              </a:buClr>
+              <a:buSzPct val="80000"/>
+              <a:buFont typeface="Wingdings 3" panose="05040102010807070707" pitchFamily="18" charset="2"/>
+              <a:buNone/>
+              <a:defRPr sz="1400" kern="1200" cap="none">
+                <a:solidFill>
+                  <a:schemeClr val="tx1">
+                    <a:tint val="75000"/>
+                  </a:schemeClr>
+                </a:solidFill>
+                <a:effectLst/>
+                <a:latin typeface="+mn-lt"/>
+                <a:ea typeface="+mn-ea"/>
+                <a:cs typeface="+mn-cs"/>
+              </a:defRPr>
+            </a:lvl4pPr>
+            <a:lvl5pPr marL="1828800" indent="0" algn="ctr" defTabSz="457200" rtl="0" eaLnBrk="1" latinLnBrk="0" hangingPunct="1">
+              <a:spcBef>
+                <a:spcPct val="20000"/>
+              </a:spcBef>
+              <a:spcAft>
+                <a:spcPts val="600"/>
+              </a:spcAft>
+              <a:buClr>
+                <a:schemeClr val="tx1"/>
+              </a:buClr>
+              <a:buSzPct val="80000"/>
+              <a:buFont typeface="Wingdings 3" panose="05040102010807070707" pitchFamily="18" charset="2"/>
+              <a:buNone/>
+              <a:defRPr sz="1400" kern="1200" cap="none">
+                <a:solidFill>
+                  <a:schemeClr val="tx1">
+                    <a:tint val="75000"/>
+                  </a:schemeClr>
+                </a:solidFill>
+                <a:effectLst/>
+                <a:latin typeface="+mn-lt"/>
+                <a:ea typeface="+mn-ea"/>
+                <a:cs typeface="+mn-cs"/>
+              </a:defRPr>
+            </a:lvl5pPr>
+            <a:lvl6pPr marL="2286000" indent="0" algn="ctr" defTabSz="457200" rtl="0" eaLnBrk="1" latinLnBrk="0" hangingPunct="1">
+              <a:spcBef>
+                <a:spcPct val="20000"/>
+              </a:spcBef>
+              <a:spcAft>
+                <a:spcPts val="600"/>
+              </a:spcAft>
+              <a:buClr>
+                <a:schemeClr val="tx1"/>
+              </a:buClr>
+              <a:buSzPct val="80000"/>
+              <a:buFont typeface="Wingdings 3" panose="05040102010807070707" pitchFamily="18" charset="2"/>
+              <a:buNone/>
+              <a:defRPr sz="1400" kern="1200" cap="none">
+                <a:solidFill>
+                  <a:schemeClr val="tx1">
+                    <a:tint val="75000"/>
+                  </a:schemeClr>
+                </a:solidFill>
+                <a:effectLst/>
+                <a:latin typeface="+mn-lt"/>
+                <a:ea typeface="+mn-ea"/>
+                <a:cs typeface="+mn-cs"/>
+              </a:defRPr>
+            </a:lvl6pPr>
+            <a:lvl7pPr marL="2743200" indent="0" algn="ctr" defTabSz="457200" rtl="0" eaLnBrk="1" latinLnBrk="0" hangingPunct="1">
+              <a:spcBef>
+                <a:spcPct val="20000"/>
+              </a:spcBef>
+              <a:spcAft>
+                <a:spcPts val="600"/>
+              </a:spcAft>
+              <a:buClr>
+                <a:schemeClr val="tx1"/>
+              </a:buClr>
+              <a:buSzPct val="80000"/>
+              <a:buFont typeface="Wingdings 3" panose="05040102010807070707" pitchFamily="18" charset="2"/>
+              <a:buNone/>
+              <a:defRPr sz="1400" kern="1200" cap="none">
+                <a:solidFill>
+                  <a:schemeClr val="tx1">
+                    <a:tint val="75000"/>
+                  </a:schemeClr>
+                </a:solidFill>
+                <a:effectLst/>
+                <a:latin typeface="+mn-lt"/>
+                <a:ea typeface="+mn-ea"/>
+                <a:cs typeface="+mn-cs"/>
+              </a:defRPr>
+            </a:lvl7pPr>
+            <a:lvl8pPr marL="3200400" indent="0" algn="ctr" defTabSz="457200" rtl="0" eaLnBrk="1" latinLnBrk="0" hangingPunct="1">
+              <a:spcBef>
+                <a:spcPct val="20000"/>
+              </a:spcBef>
+              <a:spcAft>
+                <a:spcPts val="600"/>
+              </a:spcAft>
+              <a:buClr>
+                <a:schemeClr val="tx1"/>
+              </a:buClr>
+              <a:buSzPct val="80000"/>
+              <a:buFont typeface="Wingdings 3" panose="05040102010807070707" pitchFamily="18" charset="2"/>
+              <a:buNone/>
+              <a:defRPr sz="1400" kern="1200" cap="none">
+                <a:solidFill>
+                  <a:schemeClr val="tx1">
+                    <a:tint val="75000"/>
+                  </a:schemeClr>
+                </a:solidFill>
+                <a:effectLst/>
+                <a:latin typeface="+mn-lt"/>
+                <a:ea typeface="+mn-ea"/>
+                <a:cs typeface="+mn-cs"/>
+              </a:defRPr>
+            </a:lvl8pPr>
+            <a:lvl9pPr marL="3657600" indent="0" algn="ctr" defTabSz="457200" rtl="0" eaLnBrk="1" latinLnBrk="0" hangingPunct="1">
+              <a:spcBef>
+                <a:spcPct val="20000"/>
+              </a:spcBef>
+              <a:spcAft>
+                <a:spcPts val="600"/>
+              </a:spcAft>
+              <a:buClr>
+                <a:schemeClr val="tx1"/>
+              </a:buClr>
+              <a:buSzPct val="80000"/>
+              <a:buFont typeface="Wingdings 3" panose="05040102010807070707" pitchFamily="18" charset="2"/>
+              <a:buNone/>
+              <a:defRPr sz="1400" kern="1200" cap="none">
+                <a:solidFill>
+                  <a:schemeClr val="tx1">
+                    <a:tint val="75000"/>
+                  </a:schemeClr>
+                </a:solidFill>
+                <a:effectLst/>
+                <a:latin typeface="+mn-lt"/>
+                <a:ea typeface="+mn-ea"/>
+                <a:cs typeface="+mn-cs"/>
+              </a:defRPr>
+            </a:lvl9pPr>
+          </a:lstStyle>
+          <a:p>
+            <a:pPr marL="285750" indent="-285750">
+              <a:buFont typeface="Wingdings" panose="05000000000000000000" pitchFamily="2" charset="2"/>
+              <a:buChar char="Ø"/>
+            </a:pPr>
+            <a:r>
+              <a:rPr lang="en-US" dirty="0">
+                <a:solidFill>
+                  <a:schemeClr val="tx1"/>
+                </a:solidFill>
+                <a:latin typeface="Bookman Old Style" panose="02050604050505020204" pitchFamily="18" charset="0"/>
+              </a:rPr>
+              <a:t>Though we achieved a satisfactory score with our logistic regression model, we wanted to improve upon it. </a:t>
+            </a:r>
+          </a:p>
+          <a:p>
+            <a:pPr marL="285750" indent="-285750">
+              <a:buFont typeface="Wingdings" panose="05000000000000000000" pitchFamily="2" charset="2"/>
+              <a:buChar char="Ø"/>
+            </a:pPr>
+            <a:r>
+              <a:rPr lang="en-US" dirty="0">
+                <a:solidFill>
+                  <a:schemeClr val="tx1"/>
+                </a:solidFill>
+                <a:latin typeface="Bookman Old Style" panose="02050604050505020204" pitchFamily="18" charset="0"/>
+              </a:rPr>
+              <a:t>We selected the Random Forrest Classifier to take advantage of the depth of modeling functionality to improve our accuracy score.</a:t>
+            </a:r>
+          </a:p>
+          <a:p>
+            <a:pPr marL="285750" indent="-285750">
+              <a:buFont typeface="Wingdings" panose="05000000000000000000" pitchFamily="2" charset="2"/>
+              <a:buChar char="Ø"/>
+            </a:pPr>
+            <a:endParaRPr lang="en-US" dirty="0"/>
+          </a:p>
+        </p:txBody>
+      </p:sp>
+      <p:pic>
+        <p:nvPicPr>
+          <p:cNvPr id="6" name="Picture 5">
+            <a:extLst>
+              <a:ext uri="{FF2B5EF4-FFF2-40B4-BE49-F238E27FC236}">
+                <a16:creationId xmlns:a16="http://schemas.microsoft.com/office/drawing/2014/main" id="{FBC5A0D3-C5BF-496B-2C3B-30E9D543F641}"/>
+              </a:ext>
+            </a:extLst>
+          </p:cNvPr>
+          <p:cNvPicPr>
+            <a:picLocks noChangeAspect="1"/>
+          </p:cNvPicPr>
+          <p:nvPr/>
+        </p:nvPicPr>
+        <p:blipFill>
+          <a:blip r:embed="rId2"/>
+          <a:stretch>
+            <a:fillRect/>
+          </a:stretch>
+        </p:blipFill>
+        <p:spPr>
+          <a:xfrm>
+            <a:off x="1585644" y="3284152"/>
+            <a:ext cx="8474174" cy="1425063"/>
+          </a:xfrm>
+          <a:prstGeom prst="rect">
+            <a:avLst/>
+          </a:prstGeom>
+        </p:spPr>
+      </p:pic>
     </p:spTree>
     <p:extLst>
       <p:ext uri="{BB962C8B-B14F-4D97-AF65-F5344CB8AC3E}">
-        <p14:creationId xmlns:p14="http://schemas.microsoft.com/office/powerpoint/2010/main" val="415359429"/>
+        <p14:creationId xmlns:p14="http://schemas.microsoft.com/office/powerpoint/2010/main" val="2144470064"/>
       </p:ext>
     </p:extLst>
   </p:cSld>
@@ -6084,7 +6437,7 @@
           <p:cNvPr id="2" name="Title 1">
             <a:extLst>
               <a:ext uri="{FF2B5EF4-FFF2-40B4-BE49-F238E27FC236}">
-                <a16:creationId xmlns:a16="http://schemas.microsoft.com/office/drawing/2014/main" id="{0DE88B27-91BE-400E-0903-D77712F4FFB1}"/>
+                <a16:creationId xmlns:a16="http://schemas.microsoft.com/office/drawing/2014/main" id="{DADE65B5-74DC-8DF2-C5D2-D5DE9C6FEF84}"/>
               </a:ext>
             </a:extLst>
           </p:cNvPr>
@@ -6097,8 +6450,8 @@
         </p:nvSpPr>
         <p:spPr>
           <a:xfrm>
-            <a:off x="684212" y="1355558"/>
-            <a:ext cx="9553986" cy="1106906"/>
+            <a:off x="1388300" y="206462"/>
+            <a:ext cx="8868862" cy="1130968"/>
           </a:xfrm>
         </p:spPr>
         <p:txBody>
@@ -6113,56 +6466,63 @@
                 </a:solidFill>
                 <a:latin typeface="Algerian" panose="04020705040A02060702" pitchFamily="82" charset="0"/>
               </a:rPr>
-              <a:t>conclusion</a:t>
-            </a:r>
-            <a:r>
-              <a:rPr lang="en-US" sz="4800" b="0" i="0" dirty="0">
+              <a:t>Optimization </a:t>
+            </a:r>
+            <a:r>
+              <a:rPr lang="en-US" dirty="0" err="1">
                 <a:solidFill>
                   <a:srgbClr val="FFFF00"/>
                 </a:solidFill>
-                <a:effectLst/>
                 <a:latin typeface="Algerian" panose="04020705040A02060702" pitchFamily="82" charset="0"/>
               </a:rPr>
+              <a:t>cont</a:t>
+            </a:r>
+            <a:r>
+              <a:rPr lang="en-US" dirty="0">
+                <a:solidFill>
+                  <a:srgbClr val="FFFF00"/>
+                </a:solidFill>
+                <a:latin typeface="Algerian" panose="04020705040A02060702" pitchFamily="82" charset="0"/>
+              </a:rPr>
               <a:t>:</a:t>
             </a:r>
-            <a:endParaRPr lang="en-US" dirty="0"/>
-          </a:p>
-        </p:txBody>
-      </p:sp>
-      <p:sp>
-        <p:nvSpPr>
-          <p:cNvPr id="3" name="Subtitle 2">
+          </a:p>
+        </p:txBody>
+      </p:sp>
+      <p:pic>
+        <p:nvPicPr>
+          <p:cNvPr id="8" name="Picture 7">
             <a:extLst>
               <a:ext uri="{FF2B5EF4-FFF2-40B4-BE49-F238E27FC236}">
-                <a16:creationId xmlns:a16="http://schemas.microsoft.com/office/drawing/2014/main" id="{1C4457C4-2D48-F25C-9C1E-06CD224676EF}"/>
+                <a16:creationId xmlns:a16="http://schemas.microsoft.com/office/drawing/2014/main" id="{CE28627C-2DC9-3AB9-7AA4-7E1BAC26C864}"/>
               </a:ext>
             </a:extLst>
           </p:cNvPr>
-          <p:cNvSpPr>
-            <a:spLocks noGrp="1"/>
-          </p:cNvSpPr>
-          <p:nvPr>
-            <p:ph type="subTitle" idx="1"/>
-          </p:nvPr>
-        </p:nvSpPr>
+          <p:cNvPicPr>
+            <a:picLocks noChangeAspect="1"/>
+          </p:cNvPicPr>
+          <p:nvPr/>
+        </p:nvPicPr>
+        <p:blipFill>
+          <a:blip r:embed="rId2"/>
+          <a:stretch>
+            <a:fillRect/>
+          </a:stretch>
+        </p:blipFill>
         <p:spPr>
           <a:xfrm>
-            <a:off x="684211" y="3208421"/>
-            <a:ext cx="9093451" cy="2582779"/>
+            <a:off x="1973504" y="1586253"/>
+            <a:ext cx="8283658" cy="4656223"/>
           </a:xfrm>
+          <a:prstGeom prst="rect">
+            <a:avLst/>
+          </a:prstGeom>
         </p:spPr>
-        <p:txBody>
-          <a:bodyPr/>
-          <a:lstStyle/>
-          <a:p>
-            <a:endParaRPr lang="en-US" dirty="0"/>
-          </a:p>
-        </p:txBody>
-      </p:sp>
+      </p:pic>
     </p:spTree>
     <p:extLst>
       <p:ext uri="{BB962C8B-B14F-4D97-AF65-F5344CB8AC3E}">
-        <p14:creationId xmlns:p14="http://schemas.microsoft.com/office/powerpoint/2010/main" val="2796645175"/>
+        <p14:creationId xmlns:p14="http://schemas.microsoft.com/office/powerpoint/2010/main" val="1703162546"/>
       </p:ext>
     </p:extLst>
   </p:cSld>
@@ -6194,6 +6554,610 @@
           <p:cNvPr id="2" name="Title 1">
             <a:extLst>
               <a:ext uri="{FF2B5EF4-FFF2-40B4-BE49-F238E27FC236}">
+                <a16:creationId xmlns:a16="http://schemas.microsoft.com/office/drawing/2014/main" id="{E868016C-BAB7-4950-C1F6-B11CBE198948}"/>
+              </a:ext>
+            </a:extLst>
+          </p:cNvPr>
+          <p:cNvSpPr>
+            <a:spLocks noGrp="1"/>
+          </p:cNvSpPr>
+          <p:nvPr>
+            <p:ph type="title"/>
+          </p:nvPr>
+        </p:nvSpPr>
+        <p:spPr>
+          <a:xfrm>
+            <a:off x="1372579" y="80600"/>
+            <a:ext cx="8534401" cy="2281600"/>
+          </a:xfrm>
+        </p:spPr>
+        <p:txBody>
+          <a:bodyPr/>
+          <a:lstStyle/>
+          <a:p>
+            <a:pPr algn="ctr"/>
+            <a:r>
+              <a:rPr lang="en-US" sz="5400" b="0" i="0" dirty="0">
+                <a:solidFill>
+                  <a:srgbClr val="FFFF00"/>
+                </a:solidFill>
+                <a:effectLst/>
+                <a:latin typeface="Algerian" panose="04020705040A02060702" pitchFamily="82" charset="0"/>
+              </a:rPr>
+              <a:t>evaluation:</a:t>
+            </a:r>
+            <a:endParaRPr lang="en-US" sz="5400" dirty="0"/>
+          </a:p>
+        </p:txBody>
+      </p:sp>
+      <p:sp>
+        <p:nvSpPr>
+          <p:cNvPr id="3" name="Text Placeholder 2">
+            <a:extLst>
+              <a:ext uri="{FF2B5EF4-FFF2-40B4-BE49-F238E27FC236}">
+                <a16:creationId xmlns:a16="http://schemas.microsoft.com/office/drawing/2014/main" id="{F1CE287C-D4D7-CE65-5CED-750812424593}"/>
+              </a:ext>
+            </a:extLst>
+          </p:cNvPr>
+          <p:cNvSpPr>
+            <a:spLocks noGrp="1"/>
+          </p:cNvSpPr>
+          <p:nvPr>
+            <p:ph type="body" idx="1"/>
+          </p:nvPr>
+        </p:nvSpPr>
+        <p:spPr>
+          <a:xfrm>
+            <a:off x="1305800" y="2898168"/>
+            <a:ext cx="8534400" cy="1498600"/>
+          </a:xfrm>
+        </p:spPr>
+        <p:txBody>
+          <a:bodyPr>
+            <a:normAutofit fontScale="85000" lnSpcReduction="10000"/>
+          </a:bodyPr>
+          <a:lstStyle/>
+          <a:p>
+            <a:pPr marL="285750" indent="-285750">
+              <a:buFont typeface="Wingdings" panose="05000000000000000000" pitchFamily="2" charset="2"/>
+              <a:buChar char="Ø"/>
+            </a:pPr>
+            <a:r>
+              <a:rPr lang="en-US" dirty="0">
+                <a:solidFill>
+                  <a:schemeClr val="tx1"/>
+                </a:solidFill>
+                <a:latin typeface="Bookman Old Style" panose="02050604050505020204" pitchFamily="18" charset="0"/>
+              </a:rPr>
+              <a:t>F</a:t>
+            </a:r>
+            <a:r>
+              <a:rPr lang="en-US" b="0" i="0" dirty="0">
+                <a:solidFill>
+                  <a:schemeClr val="tx1"/>
+                </a:solidFill>
+                <a:effectLst/>
+                <a:latin typeface="Bookman Old Style" panose="02050604050505020204" pitchFamily="18" charset="0"/>
+              </a:rPr>
+              <a:t>or this project </a:t>
+            </a:r>
+            <a:r>
+              <a:rPr lang="en-US" dirty="0">
+                <a:solidFill>
+                  <a:schemeClr val="tx1"/>
+                </a:solidFill>
+                <a:latin typeface="Bookman Old Style" panose="02050604050505020204" pitchFamily="18" charset="0"/>
+              </a:rPr>
+              <a:t> we </a:t>
+            </a:r>
+            <a:r>
+              <a:rPr lang="en-US" b="0" i="0" dirty="0">
+                <a:solidFill>
+                  <a:schemeClr val="tx1"/>
+                </a:solidFill>
+                <a:effectLst/>
+                <a:latin typeface="Bookman Old Style" panose="02050604050505020204" pitchFamily="18" charset="0"/>
+              </a:rPr>
+              <a:t>are use a simpler approach by using the </a:t>
+            </a:r>
+            <a:r>
+              <a:rPr lang="en-US" dirty="0">
+                <a:solidFill>
+                  <a:schemeClr val="tx1"/>
+                </a:solidFill>
+                <a:latin typeface="Bookman Old Style" panose="02050604050505020204" pitchFamily="18" charset="0"/>
+              </a:rPr>
+              <a:t>C</a:t>
+            </a:r>
+            <a:r>
+              <a:rPr lang="en-US" b="0" i="0" dirty="0">
+                <a:solidFill>
+                  <a:schemeClr val="tx1"/>
+                </a:solidFill>
+                <a:effectLst/>
+                <a:latin typeface="Bookman Old Style" panose="02050604050505020204" pitchFamily="18" charset="0"/>
+              </a:rPr>
+              <a:t>onfusion matrix.</a:t>
+            </a:r>
+          </a:p>
+          <a:p>
+            <a:pPr marL="285750" indent="-285750">
+              <a:buFont typeface="Wingdings" panose="05000000000000000000" pitchFamily="2" charset="2"/>
+              <a:buChar char="Ø"/>
+            </a:pPr>
+            <a:r>
+              <a:rPr lang="en-US" dirty="0">
+                <a:solidFill>
+                  <a:schemeClr val="tx1"/>
+                </a:solidFill>
+                <a:latin typeface="Bookman Old Style" panose="02050604050505020204" pitchFamily="18" charset="0"/>
+              </a:rPr>
+              <a:t>Evaluation analysis refers to the description and model regularities or trend for objects whose behavior changes overtime.</a:t>
+            </a:r>
+          </a:p>
+          <a:p>
+            <a:pPr marL="285750" indent="-285750">
+              <a:buFont typeface="Wingdings" panose="05000000000000000000" pitchFamily="2" charset="2"/>
+              <a:buChar char="Ø"/>
+            </a:pPr>
+            <a:r>
+              <a:rPr lang="en-US" b="0" i="0" dirty="0">
+                <a:solidFill>
+                  <a:schemeClr val="tx1"/>
+                </a:solidFill>
+                <a:effectLst/>
+                <a:latin typeface="Bookman Old Style" panose="02050604050505020204" pitchFamily="18" charset="0"/>
+              </a:rPr>
+              <a:t>Common metrics calculated from the Confusion metrics are Precision and Accuracy.</a:t>
+            </a:r>
+          </a:p>
+          <a:p>
+            <a:pPr marL="285750" indent="-285750">
+              <a:buFont typeface="Wingdings" panose="05000000000000000000" pitchFamily="2" charset="2"/>
+              <a:buChar char="Ø"/>
+            </a:pPr>
+            <a:endParaRPr lang="en-US" dirty="0"/>
+          </a:p>
+        </p:txBody>
+      </p:sp>
+    </p:spTree>
+    <p:extLst>
+      <p:ext uri="{BB962C8B-B14F-4D97-AF65-F5344CB8AC3E}">
+        <p14:creationId xmlns:p14="http://schemas.microsoft.com/office/powerpoint/2010/main" val="2508716405"/>
+      </p:ext>
+    </p:extLst>
+  </p:cSld>
+  <p:clrMapOvr>
+    <a:masterClrMapping/>
+  </p:clrMapOvr>
+</p:sld>
+</file>
+
+<file path=ppt/slides/slide15.xml><?xml version="1.0" encoding="utf-8"?>
+<p:sld xmlns:a="http://schemas.openxmlformats.org/drawingml/2006/main" xmlns:r="http://schemas.openxmlformats.org/officeDocument/2006/relationships" xmlns:p="http://schemas.openxmlformats.org/presentationml/2006/main">
+  <p:cSld>
+    <p:spTree>
+      <p:nvGrpSpPr>
+        <p:cNvPr id="1" name=""/>
+        <p:cNvGrpSpPr/>
+        <p:nvPr/>
+      </p:nvGrpSpPr>
+      <p:grpSpPr>
+        <a:xfrm>
+          <a:off x="0" y="0"/>
+          <a:ext cx="0" cy="0"/>
+          <a:chOff x="0" y="0"/>
+          <a:chExt cx="0" cy="0"/>
+        </a:xfrm>
+      </p:grpSpPr>
+      <p:sp>
+        <p:nvSpPr>
+          <p:cNvPr id="2" name="Title 1">
+            <a:extLst>
+              <a:ext uri="{FF2B5EF4-FFF2-40B4-BE49-F238E27FC236}">
+                <a16:creationId xmlns:a16="http://schemas.microsoft.com/office/drawing/2014/main" id="{0DE88B27-91BE-400E-0903-D77712F4FFB1}"/>
+              </a:ext>
+            </a:extLst>
+          </p:cNvPr>
+          <p:cNvSpPr>
+            <a:spLocks noGrp="1"/>
+          </p:cNvSpPr>
+          <p:nvPr>
+            <p:ph type="ctrTitle"/>
+          </p:nvPr>
+        </p:nvSpPr>
+        <p:spPr>
+          <a:xfrm>
+            <a:off x="684211" y="605750"/>
+            <a:ext cx="9553986" cy="1106906"/>
+          </a:xfrm>
+        </p:spPr>
+        <p:txBody>
+          <a:bodyPr/>
+          <a:lstStyle/>
+          <a:p>
+            <a:pPr algn="ctr"/>
+            <a:r>
+              <a:rPr lang="en-US" dirty="0">
+                <a:solidFill>
+                  <a:srgbClr val="FFFF00"/>
+                </a:solidFill>
+                <a:latin typeface="Algerian" panose="04020705040A02060702" pitchFamily="82" charset="0"/>
+              </a:rPr>
+              <a:t>conclusion</a:t>
+            </a:r>
+            <a:r>
+              <a:rPr lang="en-US" sz="4800" b="0" i="0" dirty="0">
+                <a:solidFill>
+                  <a:srgbClr val="FFFF00"/>
+                </a:solidFill>
+                <a:effectLst/>
+                <a:latin typeface="Algerian" panose="04020705040A02060702" pitchFamily="82" charset="0"/>
+              </a:rPr>
+              <a:t>:</a:t>
+            </a:r>
+            <a:endParaRPr lang="en-US" dirty="0"/>
+          </a:p>
+        </p:txBody>
+      </p:sp>
+      <p:sp>
+        <p:nvSpPr>
+          <p:cNvPr id="5" name="Text Placeholder 2">
+            <a:extLst>
+              <a:ext uri="{FF2B5EF4-FFF2-40B4-BE49-F238E27FC236}">
+                <a16:creationId xmlns:a16="http://schemas.microsoft.com/office/drawing/2014/main" id="{93CC2FA0-9013-117A-973F-4A732FF51938}"/>
+              </a:ext>
+            </a:extLst>
+          </p:cNvPr>
+          <p:cNvSpPr txBox="1">
+            <a:spLocks/>
+          </p:cNvSpPr>
+          <p:nvPr/>
+        </p:nvSpPr>
+        <p:spPr>
+          <a:xfrm>
+            <a:off x="1427445" y="1930400"/>
+            <a:ext cx="8534400" cy="2092960"/>
+          </a:xfrm>
+          <a:prstGeom prst="rect">
+            <a:avLst/>
+          </a:prstGeom>
+        </p:spPr>
+        <p:txBody>
+          <a:bodyPr vert="horz" lIns="91440" tIns="45720" rIns="91440" bIns="45720" rtlCol="0" anchor="t">
+            <a:normAutofit fontScale="77500" lnSpcReduction="20000"/>
+          </a:bodyPr>
+          <a:lstStyle>
+            <a:lvl1pPr marL="0" indent="0" algn="l" defTabSz="457200" rtl="0" eaLnBrk="1" latinLnBrk="0" hangingPunct="1">
+              <a:spcBef>
+                <a:spcPct val="20000"/>
+              </a:spcBef>
+              <a:spcAft>
+                <a:spcPts val="600"/>
+              </a:spcAft>
+              <a:buClr>
+                <a:schemeClr val="tx1"/>
+              </a:buClr>
+              <a:buSzPct val="80000"/>
+              <a:buFont typeface="Wingdings 3" panose="05040102010807070707" pitchFamily="18" charset="2"/>
+              <a:buNone/>
+              <a:defRPr sz="2100" kern="1200" cap="none">
+                <a:solidFill>
+                  <a:schemeClr val="bg2">
+                    <a:lumMod val="75000"/>
+                  </a:schemeClr>
+                </a:solidFill>
+                <a:effectLst/>
+                <a:latin typeface="+mn-lt"/>
+                <a:ea typeface="+mn-ea"/>
+                <a:cs typeface="+mn-cs"/>
+              </a:defRPr>
+            </a:lvl1pPr>
+            <a:lvl2pPr marL="457200" indent="0" algn="ctr" defTabSz="457200" rtl="0" eaLnBrk="1" latinLnBrk="0" hangingPunct="1">
+              <a:spcBef>
+                <a:spcPct val="20000"/>
+              </a:spcBef>
+              <a:spcAft>
+                <a:spcPts val="600"/>
+              </a:spcAft>
+              <a:buClr>
+                <a:schemeClr val="tx1"/>
+              </a:buClr>
+              <a:buSzPct val="80000"/>
+              <a:buFont typeface="Wingdings 3" panose="05040102010807070707" pitchFamily="18" charset="2"/>
+              <a:buNone/>
+              <a:defRPr sz="1800" kern="1200" cap="none">
+                <a:solidFill>
+                  <a:schemeClr val="tx1">
+                    <a:tint val="75000"/>
+                  </a:schemeClr>
+                </a:solidFill>
+                <a:effectLst/>
+                <a:latin typeface="+mn-lt"/>
+                <a:ea typeface="+mn-ea"/>
+                <a:cs typeface="+mn-cs"/>
+              </a:defRPr>
+            </a:lvl2pPr>
+            <a:lvl3pPr marL="914400" indent="0" algn="ctr" defTabSz="457200" rtl="0" eaLnBrk="1" latinLnBrk="0" hangingPunct="1">
+              <a:spcBef>
+                <a:spcPct val="20000"/>
+              </a:spcBef>
+              <a:spcAft>
+                <a:spcPts val="600"/>
+              </a:spcAft>
+              <a:buClr>
+                <a:schemeClr val="tx1"/>
+              </a:buClr>
+              <a:buSzPct val="80000"/>
+              <a:buFont typeface="Wingdings 3" panose="05040102010807070707" pitchFamily="18" charset="2"/>
+              <a:buNone/>
+              <a:defRPr sz="1600" kern="1200" cap="none">
+                <a:solidFill>
+                  <a:schemeClr val="tx1">
+                    <a:tint val="75000"/>
+                  </a:schemeClr>
+                </a:solidFill>
+                <a:effectLst/>
+                <a:latin typeface="+mn-lt"/>
+                <a:ea typeface="+mn-ea"/>
+                <a:cs typeface="+mn-cs"/>
+              </a:defRPr>
+            </a:lvl3pPr>
+            <a:lvl4pPr marL="1371600" indent="0" algn="ctr" defTabSz="457200" rtl="0" eaLnBrk="1" latinLnBrk="0" hangingPunct="1">
+              <a:spcBef>
+                <a:spcPct val="20000"/>
+              </a:spcBef>
+              <a:spcAft>
+                <a:spcPts val="600"/>
+              </a:spcAft>
+              <a:buClr>
+                <a:schemeClr val="tx1"/>
+              </a:buClr>
+              <a:buSzPct val="80000"/>
+              <a:buFont typeface="Wingdings 3" panose="05040102010807070707" pitchFamily="18" charset="2"/>
+              <a:buNone/>
+              <a:defRPr sz="1400" kern="1200" cap="none">
+                <a:solidFill>
+                  <a:schemeClr val="tx1">
+                    <a:tint val="75000"/>
+                  </a:schemeClr>
+                </a:solidFill>
+                <a:effectLst/>
+                <a:latin typeface="+mn-lt"/>
+                <a:ea typeface="+mn-ea"/>
+                <a:cs typeface="+mn-cs"/>
+              </a:defRPr>
+            </a:lvl4pPr>
+            <a:lvl5pPr marL="1828800" indent="0" algn="ctr" defTabSz="457200" rtl="0" eaLnBrk="1" latinLnBrk="0" hangingPunct="1">
+              <a:spcBef>
+                <a:spcPct val="20000"/>
+              </a:spcBef>
+              <a:spcAft>
+                <a:spcPts val="600"/>
+              </a:spcAft>
+              <a:buClr>
+                <a:schemeClr val="tx1"/>
+              </a:buClr>
+              <a:buSzPct val="80000"/>
+              <a:buFont typeface="Wingdings 3" panose="05040102010807070707" pitchFamily="18" charset="2"/>
+              <a:buNone/>
+              <a:defRPr sz="1400" kern="1200" cap="none">
+                <a:solidFill>
+                  <a:schemeClr val="tx1">
+                    <a:tint val="75000"/>
+                  </a:schemeClr>
+                </a:solidFill>
+                <a:effectLst/>
+                <a:latin typeface="+mn-lt"/>
+                <a:ea typeface="+mn-ea"/>
+                <a:cs typeface="+mn-cs"/>
+              </a:defRPr>
+            </a:lvl5pPr>
+            <a:lvl6pPr marL="2286000" indent="0" algn="ctr" defTabSz="457200" rtl="0" eaLnBrk="1" latinLnBrk="0" hangingPunct="1">
+              <a:spcBef>
+                <a:spcPct val="20000"/>
+              </a:spcBef>
+              <a:spcAft>
+                <a:spcPts val="600"/>
+              </a:spcAft>
+              <a:buClr>
+                <a:schemeClr val="tx1"/>
+              </a:buClr>
+              <a:buSzPct val="80000"/>
+              <a:buFont typeface="Wingdings 3" panose="05040102010807070707" pitchFamily="18" charset="2"/>
+              <a:buNone/>
+              <a:defRPr sz="1400" kern="1200" cap="none">
+                <a:solidFill>
+                  <a:schemeClr val="tx1">
+                    <a:tint val="75000"/>
+                  </a:schemeClr>
+                </a:solidFill>
+                <a:effectLst/>
+                <a:latin typeface="+mn-lt"/>
+                <a:ea typeface="+mn-ea"/>
+                <a:cs typeface="+mn-cs"/>
+              </a:defRPr>
+            </a:lvl6pPr>
+            <a:lvl7pPr marL="2743200" indent="0" algn="ctr" defTabSz="457200" rtl="0" eaLnBrk="1" latinLnBrk="0" hangingPunct="1">
+              <a:spcBef>
+                <a:spcPct val="20000"/>
+              </a:spcBef>
+              <a:spcAft>
+                <a:spcPts val="600"/>
+              </a:spcAft>
+              <a:buClr>
+                <a:schemeClr val="tx1"/>
+              </a:buClr>
+              <a:buSzPct val="80000"/>
+              <a:buFont typeface="Wingdings 3" panose="05040102010807070707" pitchFamily="18" charset="2"/>
+              <a:buNone/>
+              <a:defRPr sz="1400" kern="1200" cap="none">
+                <a:solidFill>
+                  <a:schemeClr val="tx1">
+                    <a:tint val="75000"/>
+                  </a:schemeClr>
+                </a:solidFill>
+                <a:effectLst/>
+                <a:latin typeface="+mn-lt"/>
+                <a:ea typeface="+mn-ea"/>
+                <a:cs typeface="+mn-cs"/>
+              </a:defRPr>
+            </a:lvl7pPr>
+            <a:lvl8pPr marL="3200400" indent="0" algn="ctr" defTabSz="457200" rtl="0" eaLnBrk="1" latinLnBrk="0" hangingPunct="1">
+              <a:spcBef>
+                <a:spcPct val="20000"/>
+              </a:spcBef>
+              <a:spcAft>
+                <a:spcPts val="600"/>
+              </a:spcAft>
+              <a:buClr>
+                <a:schemeClr val="tx1"/>
+              </a:buClr>
+              <a:buSzPct val="80000"/>
+              <a:buFont typeface="Wingdings 3" panose="05040102010807070707" pitchFamily="18" charset="2"/>
+              <a:buNone/>
+              <a:defRPr sz="1400" kern="1200" cap="none">
+                <a:solidFill>
+                  <a:schemeClr val="tx1">
+                    <a:tint val="75000"/>
+                  </a:schemeClr>
+                </a:solidFill>
+                <a:effectLst/>
+                <a:latin typeface="+mn-lt"/>
+                <a:ea typeface="+mn-ea"/>
+                <a:cs typeface="+mn-cs"/>
+              </a:defRPr>
+            </a:lvl8pPr>
+            <a:lvl9pPr marL="3657600" indent="0" algn="ctr" defTabSz="457200" rtl="0" eaLnBrk="1" latinLnBrk="0" hangingPunct="1">
+              <a:spcBef>
+                <a:spcPct val="20000"/>
+              </a:spcBef>
+              <a:spcAft>
+                <a:spcPts val="600"/>
+              </a:spcAft>
+              <a:buClr>
+                <a:schemeClr val="tx1"/>
+              </a:buClr>
+              <a:buSzPct val="80000"/>
+              <a:buFont typeface="Wingdings 3" panose="05040102010807070707" pitchFamily="18" charset="2"/>
+              <a:buNone/>
+              <a:defRPr sz="1400" kern="1200" cap="none">
+                <a:solidFill>
+                  <a:schemeClr val="tx1">
+                    <a:tint val="75000"/>
+                  </a:schemeClr>
+                </a:solidFill>
+                <a:effectLst/>
+                <a:latin typeface="+mn-lt"/>
+                <a:ea typeface="+mn-ea"/>
+                <a:cs typeface="+mn-cs"/>
+              </a:defRPr>
+            </a:lvl9pPr>
+          </a:lstStyle>
+          <a:p>
+            <a:pPr marL="285750" indent="-285750">
+              <a:buFont typeface="Wingdings" panose="05000000000000000000" pitchFamily="2" charset="2"/>
+              <a:buChar char="Ø"/>
+            </a:pPr>
+            <a:r>
+              <a:rPr lang="en-US" dirty="0">
+                <a:solidFill>
+                  <a:schemeClr val="tx1"/>
+                </a:solidFill>
+                <a:latin typeface="Bookman Old Style" panose="02050604050505020204" pitchFamily="18" charset="0"/>
+              </a:rPr>
+              <a:t>As we had hoped, our linear regression model was a strong choice for our dataset. </a:t>
+            </a:r>
+          </a:p>
+          <a:p>
+            <a:pPr marL="285750" indent="-285750">
+              <a:buFont typeface="Wingdings" panose="05000000000000000000" pitchFamily="2" charset="2"/>
+              <a:buChar char="Ø"/>
+            </a:pPr>
+            <a:r>
+              <a:rPr lang="en-US" dirty="0">
+                <a:solidFill>
+                  <a:schemeClr val="tx1"/>
+                </a:solidFill>
+                <a:latin typeface="Bookman Old Style" panose="02050604050505020204" pitchFamily="18" charset="0"/>
+              </a:rPr>
+              <a:t>We received high scores on both training and test. </a:t>
+            </a:r>
+          </a:p>
+          <a:p>
+            <a:pPr marL="285750" indent="-285750">
+              <a:buFont typeface="Wingdings" panose="05000000000000000000" pitchFamily="2" charset="2"/>
+              <a:buChar char="Ø"/>
+            </a:pPr>
+            <a:r>
+              <a:rPr lang="en-US" dirty="0">
+                <a:solidFill>
+                  <a:schemeClr val="tx1"/>
+                </a:solidFill>
+                <a:latin typeface="Bookman Old Style" panose="02050604050505020204" pitchFamily="18" charset="0"/>
+              </a:rPr>
+              <a:t>After attempting optimization, we saw a favorable increase in the training. However, the increase was marginal at best for the test</a:t>
+            </a:r>
+          </a:p>
+          <a:p>
+            <a:pPr marL="285750" indent="-285750">
+              <a:buFont typeface="Wingdings" panose="05000000000000000000" pitchFamily="2" charset="2"/>
+              <a:buChar char="Ø"/>
+            </a:pPr>
+            <a:r>
+              <a:rPr lang="en-US" dirty="0">
+                <a:solidFill>
+                  <a:schemeClr val="tx1"/>
+                </a:solidFill>
+                <a:latin typeface="Bookman Old Style" panose="02050604050505020204" pitchFamily="18" charset="0"/>
+              </a:rPr>
+              <a:t>Going forward, we would have the opportunity to further test our model with the application dataset which would provide a realistic test for live deployment.</a:t>
+            </a:r>
+          </a:p>
+          <a:p>
+            <a:pPr marL="285750" indent="-285750">
+              <a:buFont typeface="Wingdings" panose="05000000000000000000" pitchFamily="2" charset="2"/>
+              <a:buChar char="Ø"/>
+            </a:pPr>
+            <a:endParaRPr lang="en-US" dirty="0"/>
+          </a:p>
+        </p:txBody>
+      </p:sp>
+    </p:spTree>
+    <p:extLst>
+      <p:ext uri="{BB962C8B-B14F-4D97-AF65-F5344CB8AC3E}">
+        <p14:creationId xmlns:p14="http://schemas.microsoft.com/office/powerpoint/2010/main" val="2796645175"/>
+      </p:ext>
+    </p:extLst>
+  </p:cSld>
+  <p:clrMapOvr>
+    <a:masterClrMapping/>
+  </p:clrMapOvr>
+</p:sld>
+</file>
+
+<file path=ppt/slides/slide16.xml><?xml version="1.0" encoding="utf-8"?>
+<p:sld xmlns:a="http://schemas.openxmlformats.org/drawingml/2006/main" xmlns:r="http://schemas.openxmlformats.org/officeDocument/2006/relationships" xmlns:p="http://schemas.openxmlformats.org/presentationml/2006/main">
+  <p:cSld>
+    <p:spTree>
+      <p:nvGrpSpPr>
+        <p:cNvPr id="1" name=""/>
+        <p:cNvGrpSpPr/>
+        <p:nvPr/>
+      </p:nvGrpSpPr>
+      <p:grpSpPr>
+        <a:xfrm>
+          <a:off x="0" y="0"/>
+          <a:ext cx="0" cy="0"/>
+          <a:chOff x="0" y="0"/>
+          <a:chExt cx="0" cy="0"/>
+        </a:xfrm>
+      </p:grpSpPr>
+      <p:sp>
+        <p:nvSpPr>
+          <p:cNvPr id="2" name="Title 1">
+            <a:extLst>
+              <a:ext uri="{FF2B5EF4-FFF2-40B4-BE49-F238E27FC236}">
                 <a16:creationId xmlns:a16="http://schemas.microsoft.com/office/drawing/2014/main" id="{19D4D171-A7DB-FADF-EFC7-345CF41B7FE4}"/>
               </a:ext>
             </a:extLst>
@@ -6207,7 +7171,7 @@
         </p:nvSpPr>
         <p:spPr>
           <a:xfrm>
-            <a:off x="932863" y="1068137"/>
+            <a:off x="1444927" y="0"/>
             <a:ext cx="8534401" cy="1498600"/>
           </a:xfrm>
         </p:spPr>
@@ -6232,25 +7196,359 @@
       </p:sp>
       <p:sp>
         <p:nvSpPr>
-          <p:cNvPr id="3" name="Text Placeholder 2">
+          <p:cNvPr id="5" name="Text Placeholder 2">
             <a:extLst>
               <a:ext uri="{FF2B5EF4-FFF2-40B4-BE49-F238E27FC236}">
-                <a16:creationId xmlns:a16="http://schemas.microsoft.com/office/drawing/2014/main" id="{8F770838-25C7-7AF0-FAAA-A5B464343D47}"/>
+                <a16:creationId xmlns:a16="http://schemas.microsoft.com/office/drawing/2014/main" id="{212CBFA9-6D07-26EB-19E7-69FC311923A6}"/>
               </a:ext>
             </a:extLst>
           </p:cNvPr>
-          <p:cNvSpPr>
-            <a:spLocks noGrp="1"/>
-          </p:cNvSpPr>
-          <p:nvPr>
-            <p:ph type="body" idx="1"/>
-          </p:nvPr>
-        </p:nvSpPr>
-        <p:spPr/>
-        <p:txBody>
-          <a:bodyPr/>
-          <a:lstStyle/>
-          <a:p>
+          <p:cNvSpPr txBox="1">
+            <a:spLocks/>
+          </p:cNvSpPr>
+          <p:nvPr/>
+        </p:nvSpPr>
+        <p:spPr>
+          <a:xfrm>
+            <a:off x="1372581" y="1471704"/>
+            <a:ext cx="8534400" cy="1957296"/>
+          </a:xfrm>
+          <a:prstGeom prst="rect">
+            <a:avLst/>
+          </a:prstGeom>
+        </p:spPr>
+        <p:txBody>
+          <a:bodyPr vert="horz" lIns="91440" tIns="45720" rIns="91440" bIns="45720" rtlCol="0" anchor="t">
+            <a:normAutofit fontScale="92500" lnSpcReduction="20000"/>
+          </a:bodyPr>
+          <a:lstStyle>
+            <a:lvl1pPr marL="0" indent="0" algn="l" defTabSz="457200" rtl="0" eaLnBrk="1" latinLnBrk="0" hangingPunct="1">
+              <a:spcBef>
+                <a:spcPct val="20000"/>
+              </a:spcBef>
+              <a:spcAft>
+                <a:spcPts val="600"/>
+              </a:spcAft>
+              <a:buClr>
+                <a:schemeClr val="tx1"/>
+              </a:buClr>
+              <a:buSzPct val="80000"/>
+              <a:buFont typeface="Wingdings 3" panose="05040102010807070707" pitchFamily="18" charset="2"/>
+              <a:buNone/>
+              <a:defRPr sz="2100" kern="1200" cap="none">
+                <a:solidFill>
+                  <a:schemeClr val="bg2">
+                    <a:lumMod val="75000"/>
+                  </a:schemeClr>
+                </a:solidFill>
+                <a:effectLst/>
+                <a:latin typeface="+mn-lt"/>
+                <a:ea typeface="+mn-ea"/>
+                <a:cs typeface="+mn-cs"/>
+              </a:defRPr>
+            </a:lvl1pPr>
+            <a:lvl2pPr marL="457200" indent="0" algn="ctr" defTabSz="457200" rtl="0" eaLnBrk="1" latinLnBrk="0" hangingPunct="1">
+              <a:spcBef>
+                <a:spcPct val="20000"/>
+              </a:spcBef>
+              <a:spcAft>
+                <a:spcPts val="600"/>
+              </a:spcAft>
+              <a:buClr>
+                <a:schemeClr val="tx1"/>
+              </a:buClr>
+              <a:buSzPct val="80000"/>
+              <a:buFont typeface="Wingdings 3" panose="05040102010807070707" pitchFamily="18" charset="2"/>
+              <a:buNone/>
+              <a:defRPr sz="1800" kern="1200" cap="none">
+                <a:solidFill>
+                  <a:schemeClr val="tx1">
+                    <a:tint val="75000"/>
+                  </a:schemeClr>
+                </a:solidFill>
+                <a:effectLst/>
+                <a:latin typeface="+mn-lt"/>
+                <a:ea typeface="+mn-ea"/>
+                <a:cs typeface="+mn-cs"/>
+              </a:defRPr>
+            </a:lvl2pPr>
+            <a:lvl3pPr marL="914400" indent="0" algn="ctr" defTabSz="457200" rtl="0" eaLnBrk="1" latinLnBrk="0" hangingPunct="1">
+              <a:spcBef>
+                <a:spcPct val="20000"/>
+              </a:spcBef>
+              <a:spcAft>
+                <a:spcPts val="600"/>
+              </a:spcAft>
+              <a:buClr>
+                <a:schemeClr val="tx1"/>
+              </a:buClr>
+              <a:buSzPct val="80000"/>
+              <a:buFont typeface="Wingdings 3" panose="05040102010807070707" pitchFamily="18" charset="2"/>
+              <a:buNone/>
+              <a:defRPr sz="1600" kern="1200" cap="none">
+                <a:solidFill>
+                  <a:schemeClr val="tx1">
+                    <a:tint val="75000"/>
+                  </a:schemeClr>
+                </a:solidFill>
+                <a:effectLst/>
+                <a:latin typeface="+mn-lt"/>
+                <a:ea typeface="+mn-ea"/>
+                <a:cs typeface="+mn-cs"/>
+              </a:defRPr>
+            </a:lvl3pPr>
+            <a:lvl4pPr marL="1371600" indent="0" algn="ctr" defTabSz="457200" rtl="0" eaLnBrk="1" latinLnBrk="0" hangingPunct="1">
+              <a:spcBef>
+                <a:spcPct val="20000"/>
+              </a:spcBef>
+              <a:spcAft>
+                <a:spcPts val="600"/>
+              </a:spcAft>
+              <a:buClr>
+                <a:schemeClr val="tx1"/>
+              </a:buClr>
+              <a:buSzPct val="80000"/>
+              <a:buFont typeface="Wingdings 3" panose="05040102010807070707" pitchFamily="18" charset="2"/>
+              <a:buNone/>
+              <a:defRPr sz="1400" kern="1200" cap="none">
+                <a:solidFill>
+                  <a:schemeClr val="tx1">
+                    <a:tint val="75000"/>
+                  </a:schemeClr>
+                </a:solidFill>
+                <a:effectLst/>
+                <a:latin typeface="+mn-lt"/>
+                <a:ea typeface="+mn-ea"/>
+                <a:cs typeface="+mn-cs"/>
+              </a:defRPr>
+            </a:lvl4pPr>
+            <a:lvl5pPr marL="1828800" indent="0" algn="ctr" defTabSz="457200" rtl="0" eaLnBrk="1" latinLnBrk="0" hangingPunct="1">
+              <a:spcBef>
+                <a:spcPct val="20000"/>
+              </a:spcBef>
+              <a:spcAft>
+                <a:spcPts val="600"/>
+              </a:spcAft>
+              <a:buClr>
+                <a:schemeClr val="tx1"/>
+              </a:buClr>
+              <a:buSzPct val="80000"/>
+              <a:buFont typeface="Wingdings 3" panose="05040102010807070707" pitchFamily="18" charset="2"/>
+              <a:buNone/>
+              <a:defRPr sz="1400" kern="1200" cap="none">
+                <a:solidFill>
+                  <a:schemeClr val="tx1">
+                    <a:tint val="75000"/>
+                  </a:schemeClr>
+                </a:solidFill>
+                <a:effectLst/>
+                <a:latin typeface="+mn-lt"/>
+                <a:ea typeface="+mn-ea"/>
+                <a:cs typeface="+mn-cs"/>
+              </a:defRPr>
+            </a:lvl5pPr>
+            <a:lvl6pPr marL="2286000" indent="0" algn="ctr" defTabSz="457200" rtl="0" eaLnBrk="1" latinLnBrk="0" hangingPunct="1">
+              <a:spcBef>
+                <a:spcPct val="20000"/>
+              </a:spcBef>
+              <a:spcAft>
+                <a:spcPts val="600"/>
+              </a:spcAft>
+              <a:buClr>
+                <a:schemeClr val="tx1"/>
+              </a:buClr>
+              <a:buSzPct val="80000"/>
+              <a:buFont typeface="Wingdings 3" panose="05040102010807070707" pitchFamily="18" charset="2"/>
+              <a:buNone/>
+              <a:defRPr sz="1400" kern="1200" cap="none">
+                <a:solidFill>
+                  <a:schemeClr val="tx1">
+                    <a:tint val="75000"/>
+                  </a:schemeClr>
+                </a:solidFill>
+                <a:effectLst/>
+                <a:latin typeface="+mn-lt"/>
+                <a:ea typeface="+mn-ea"/>
+                <a:cs typeface="+mn-cs"/>
+              </a:defRPr>
+            </a:lvl6pPr>
+            <a:lvl7pPr marL="2743200" indent="0" algn="ctr" defTabSz="457200" rtl="0" eaLnBrk="1" latinLnBrk="0" hangingPunct="1">
+              <a:spcBef>
+                <a:spcPct val="20000"/>
+              </a:spcBef>
+              <a:spcAft>
+                <a:spcPts val="600"/>
+              </a:spcAft>
+              <a:buClr>
+                <a:schemeClr val="tx1"/>
+              </a:buClr>
+              <a:buSzPct val="80000"/>
+              <a:buFont typeface="Wingdings 3" panose="05040102010807070707" pitchFamily="18" charset="2"/>
+              <a:buNone/>
+              <a:defRPr sz="1400" kern="1200" cap="none">
+                <a:solidFill>
+                  <a:schemeClr val="tx1">
+                    <a:tint val="75000"/>
+                  </a:schemeClr>
+                </a:solidFill>
+                <a:effectLst/>
+                <a:latin typeface="+mn-lt"/>
+                <a:ea typeface="+mn-ea"/>
+                <a:cs typeface="+mn-cs"/>
+              </a:defRPr>
+            </a:lvl7pPr>
+            <a:lvl8pPr marL="3200400" indent="0" algn="ctr" defTabSz="457200" rtl="0" eaLnBrk="1" latinLnBrk="0" hangingPunct="1">
+              <a:spcBef>
+                <a:spcPct val="20000"/>
+              </a:spcBef>
+              <a:spcAft>
+                <a:spcPts val="600"/>
+              </a:spcAft>
+              <a:buClr>
+                <a:schemeClr val="tx1"/>
+              </a:buClr>
+              <a:buSzPct val="80000"/>
+              <a:buFont typeface="Wingdings 3" panose="05040102010807070707" pitchFamily="18" charset="2"/>
+              <a:buNone/>
+              <a:defRPr sz="1400" kern="1200" cap="none">
+                <a:solidFill>
+                  <a:schemeClr val="tx1">
+                    <a:tint val="75000"/>
+                  </a:schemeClr>
+                </a:solidFill>
+                <a:effectLst/>
+                <a:latin typeface="+mn-lt"/>
+                <a:ea typeface="+mn-ea"/>
+                <a:cs typeface="+mn-cs"/>
+              </a:defRPr>
+            </a:lvl8pPr>
+            <a:lvl9pPr marL="3657600" indent="0" algn="ctr" defTabSz="457200" rtl="0" eaLnBrk="1" latinLnBrk="0" hangingPunct="1">
+              <a:spcBef>
+                <a:spcPct val="20000"/>
+              </a:spcBef>
+              <a:spcAft>
+                <a:spcPts val="600"/>
+              </a:spcAft>
+              <a:buClr>
+                <a:schemeClr val="tx1"/>
+              </a:buClr>
+              <a:buSzPct val="80000"/>
+              <a:buFont typeface="Wingdings 3" panose="05040102010807070707" pitchFamily="18" charset="2"/>
+              <a:buNone/>
+              <a:defRPr sz="1400" kern="1200" cap="none">
+                <a:solidFill>
+                  <a:schemeClr val="tx1">
+                    <a:tint val="75000"/>
+                  </a:schemeClr>
+                </a:solidFill>
+                <a:effectLst/>
+                <a:latin typeface="+mn-lt"/>
+                <a:ea typeface="+mn-ea"/>
+                <a:cs typeface="+mn-cs"/>
+              </a:defRPr>
+            </a:lvl9pPr>
+          </a:lstStyle>
+          <a:p>
+            <a:pPr marL="285750" indent="-285750">
+              <a:buFont typeface="Wingdings" panose="05000000000000000000" pitchFamily="2" charset="2"/>
+              <a:buChar char="Ø"/>
+            </a:pPr>
+            <a:r>
+              <a:rPr lang="en-US" dirty="0">
+                <a:solidFill>
+                  <a:schemeClr val="tx1"/>
+                </a:solidFill>
+                <a:latin typeface="Bookman Old Style" panose="02050604050505020204" pitchFamily="18" charset="0"/>
+              </a:rPr>
+              <a:t>Time associated with dataset selection. </a:t>
+            </a:r>
+          </a:p>
+          <a:p>
+            <a:pPr marL="285750" indent="-285750">
+              <a:buFont typeface="Wingdings" panose="05000000000000000000" pitchFamily="2" charset="2"/>
+              <a:buChar char="Ø"/>
+            </a:pPr>
+            <a:r>
+              <a:rPr lang="en-US" dirty="0">
+                <a:solidFill>
+                  <a:schemeClr val="tx1"/>
+                </a:solidFill>
+                <a:latin typeface="Bookman Old Style" panose="02050604050505020204" pitchFamily="18" charset="0"/>
+              </a:rPr>
+              <a:t>Workload associated with data cleaning and optimization.</a:t>
+            </a:r>
+          </a:p>
+          <a:p>
+            <a:pPr marL="285750" indent="-285750">
+              <a:buFont typeface="Wingdings" panose="05000000000000000000" pitchFamily="2" charset="2"/>
+              <a:buChar char="Ø"/>
+            </a:pPr>
+            <a:r>
+              <a:rPr lang="en-US" dirty="0">
+                <a:solidFill>
+                  <a:schemeClr val="tx1"/>
+                </a:solidFill>
+                <a:latin typeface="Bookman Old Style" panose="02050604050505020204" pitchFamily="18" charset="0"/>
+              </a:rPr>
+              <a:t>Data size.</a:t>
+            </a:r>
+          </a:p>
+          <a:p>
+            <a:pPr marL="285750" indent="-285750">
+              <a:buFont typeface="Wingdings" panose="05000000000000000000" pitchFamily="2" charset="2"/>
+              <a:buChar char="Ø"/>
+            </a:pPr>
+            <a:r>
+              <a:rPr lang="en-US" dirty="0">
+                <a:solidFill>
+                  <a:schemeClr val="tx1"/>
+                </a:solidFill>
+                <a:latin typeface="Bookman Old Style" panose="02050604050505020204" pitchFamily="18" charset="0"/>
+              </a:rPr>
+              <a:t>Get dummies trap.</a:t>
+            </a:r>
+          </a:p>
+          <a:p>
+            <a:pPr marL="285750" indent="-285750">
+              <a:buFont typeface="Wingdings" panose="05000000000000000000" pitchFamily="2" charset="2"/>
+              <a:buChar char="Ø"/>
+            </a:pPr>
+            <a:r>
+              <a:rPr lang="en-US" dirty="0" err="1">
+                <a:solidFill>
+                  <a:schemeClr val="tx1"/>
+                </a:solidFill>
+                <a:latin typeface="Bookman Old Style" panose="02050604050505020204" pitchFamily="18" charset="0"/>
+              </a:rPr>
+              <a:t>Github</a:t>
+            </a:r>
+            <a:r>
+              <a:rPr lang="en-US" dirty="0">
+                <a:solidFill>
+                  <a:schemeClr val="tx1"/>
+                </a:solidFill>
+                <a:latin typeface="Bookman Old Style" panose="02050604050505020204" pitchFamily="18" charset="0"/>
+              </a:rPr>
+              <a:t> debacle.</a:t>
+            </a:r>
+          </a:p>
+          <a:p>
+            <a:pPr marL="285750" indent="-285750">
+              <a:buFont typeface="Wingdings" panose="05000000000000000000" pitchFamily="2" charset="2"/>
+              <a:buChar char="Ø"/>
+            </a:pPr>
+            <a:endParaRPr lang="en-US" dirty="0">
+              <a:solidFill>
+                <a:schemeClr val="tx1"/>
+              </a:solidFill>
+              <a:latin typeface="Bookman Old Style" panose="02050604050505020204" pitchFamily="18" charset="0"/>
+            </a:endParaRPr>
+          </a:p>
+          <a:p>
+            <a:pPr marL="285750" indent="-285750">
+              <a:buFont typeface="Wingdings" panose="05000000000000000000" pitchFamily="2" charset="2"/>
+              <a:buChar char="Ø"/>
+            </a:pPr>
             <a:endParaRPr lang="en-US" dirty="0"/>
           </a:p>
         </p:txBody>
@@ -6268,7 +7566,7 @@
 </p:sld>
 </file>
 
-<file path=ppt/slides/slide15.xml><?xml version="1.0" encoding="utf-8"?>
+<file path=ppt/slides/slide17.xml><?xml version="1.0" encoding="utf-8"?>
 <p:sld xmlns:a="http://schemas.openxmlformats.org/drawingml/2006/main" xmlns:r="http://schemas.openxmlformats.org/officeDocument/2006/relationships" xmlns:p="http://schemas.openxmlformats.org/presentationml/2006/main">
   <p:cSld>
     <p:spTree>
@@ -6375,8 +7673,8 @@
         </p:nvSpPr>
         <p:spPr>
           <a:xfrm>
-            <a:off x="112295" y="3429000"/>
-            <a:ext cx="11610344" cy="2577432"/>
+            <a:off x="112295" y="2862072"/>
+            <a:ext cx="11610344" cy="3144360"/>
           </a:xfrm>
         </p:spPr>
         <p:txBody>
@@ -6393,7 +7691,7 @@
               <a:rPr lang="en-US" sz="2200" cap="none" dirty="0">
                 <a:latin typeface="Britannic Bold" panose="020B0903060703020204" pitchFamily="34" charset="0"/>
               </a:rPr>
-              <a:t>Our project was based around a Kaggle dataset containing characteristics about loan. </a:t>
+              <a:t>Our project was based on a Kaggle dataset containing characteristics of loan applications. </a:t>
             </a:r>
             <a:br>
               <a:rPr lang="en-US" sz="2200" cap="none" dirty="0">
@@ -6410,7 +7708,7 @@
                 <a:effectLst/>
                 <a:latin typeface="Britannic Bold" panose="020B0903060703020204" pitchFamily="34" charset="0"/>
               </a:rPr>
-              <a:t>This project give us an idea of applying  machine learning in a real business scenario.</a:t>
+              <a:t>This project gives us an idea of applying machine learning in a real business scenario.</a:t>
             </a:r>
             <a:br>
               <a:rPr lang="en-US" sz="2200" b="0" i="0" cap="none" dirty="0">
@@ -6429,7 +7727,7 @@
                 <a:effectLst/>
                 <a:latin typeface="Britannic Bold" panose="020B0903060703020204" pitchFamily="34" charset="0"/>
               </a:rPr>
-              <a:t>A basic understanding of risk analytics in banking and financial services and understand how data is used to minimize the risk of losing money while lending to customers.</a:t>
+              <a:t>A basic understanding of risk analytics in banking and financial services and an understanding of how data is used to minimize the risk of losing money while lending to customers.</a:t>
             </a:r>
             <a:br>
               <a:rPr lang="en-US" sz="2200" b="0" i="0" cap="none" dirty="0">
@@ -6577,7 +7875,7 @@
                 <a:effectLst/>
                 <a:latin typeface="Algerian" panose="04020705040A02060702" pitchFamily="82" charset="0"/>
               </a:rPr>
-              <a:t>Credit Card </a:t>
+              <a:t>Loan </a:t>
             </a:r>
             <a:r>
               <a:rPr lang="en-US" sz="5400" dirty="0">
@@ -6586,7 +7884,7 @@
                 </a:solidFill>
                 <a:latin typeface="Algerian" panose="04020705040A02060702" pitchFamily="82" charset="0"/>
               </a:rPr>
-              <a:t>RISK:</a:t>
+              <a:t>RISK Assessment:</a:t>
             </a:r>
             <a:endParaRPr lang="en-US" sz="5400" dirty="0">
               <a:solidFill>
@@ -6614,13 +7912,13 @@
         </p:nvSpPr>
         <p:spPr>
           <a:xfrm>
-            <a:off x="684212" y="3181082"/>
-            <a:ext cx="10636317" cy="2962141"/>
+            <a:off x="684212" y="2889504"/>
+            <a:ext cx="10636317" cy="3611880"/>
           </a:xfrm>
         </p:spPr>
         <p:txBody>
           <a:bodyPr>
-            <a:normAutofit fontScale="77500" lnSpcReduction="20000"/>
+            <a:normAutofit/>
           </a:bodyPr>
           <a:lstStyle/>
           <a:p>
@@ -6636,27 +7934,7 @@
                 <a:effectLst/>
                 <a:latin typeface="Britannic Bold" panose="020B0903060703020204" pitchFamily="34" charset="0"/>
               </a:rPr>
-              <a:t>A </a:t>
-            </a:r>
-            <a:r>
-              <a:rPr lang="en-US" sz="2400" i="0" dirty="0">
-                <a:solidFill>
-                  <a:schemeClr val="tx1"/>
-                </a:solidFill>
-                <a:effectLst/>
-                <a:latin typeface="Britannic Bold" panose="020B0903060703020204" pitchFamily="34" charset="0"/>
-              </a:rPr>
-              <a:t>credit card </a:t>
-            </a:r>
-            <a:r>
-              <a:rPr lang="en-US" sz="2400" b="0" i="0" dirty="0">
-                <a:solidFill>
-                  <a:schemeClr val="tx1"/>
-                </a:solidFill>
-                <a:effectLst/>
-                <a:latin typeface="Britannic Bold" panose="020B0903060703020204" pitchFamily="34" charset="0"/>
-              </a:rPr>
-              <a:t>is issued to users to enable the cardholder to pay cardholder's accrued debt.</a:t>
+              <a:t>During the loan evaluation process, banks look at a variety of factors such as the loan annuity, the cost of the goods for which the loan is given, credit, and housing status.</a:t>
             </a:r>
           </a:p>
           <a:p>
@@ -6672,7 +7950,7 @@
                 <a:effectLst/>
                 <a:latin typeface="Britannic Bold" panose="020B0903060703020204" pitchFamily="34" charset="0"/>
               </a:rPr>
-              <a:t>The loan providing companies find it hard to give loans to the people due to their insufficient or non-existent credit history.</a:t>
+              <a:t>It is important to determine which factors have the biggest impact on the level of risk to the business.</a:t>
             </a:r>
           </a:p>
           <a:p>
@@ -6688,7 +7966,7 @@
                 <a:effectLst/>
                 <a:latin typeface="Britannic Bold" panose="020B0903060703020204" pitchFamily="34" charset="0"/>
               </a:rPr>
-              <a:t>Credit score cards are a common risk control method in the financial industry.</a:t>
+              <a:t>Logistic regression models is an effective method to predict a set of categories such as “Approved” or “Denied”.</a:t>
             </a:r>
           </a:p>
           <a:p>
@@ -6704,7 +7982,7 @@
                 <a:effectLst/>
                 <a:latin typeface="Britannic Bold" panose="020B0903060703020204" pitchFamily="34" charset="0"/>
               </a:rPr>
-              <a:t>Credit scores can objectively quantify the magnitude of risk.</a:t>
+              <a:t>Random Forrest Classifier is used as a method of verification.</a:t>
             </a:r>
           </a:p>
           <a:p>
@@ -6712,38 +7990,12 @@
               <a:buFont typeface="Wingdings" panose="05000000000000000000" pitchFamily="2" charset="2"/>
               <a:buChar char="Ø"/>
             </a:pPr>
-            <a:r>
-              <a:rPr lang="en-US" sz="2400" b="0" i="0" dirty="0">
-                <a:solidFill>
-                  <a:schemeClr val="tx1"/>
-                </a:solidFill>
-                <a:effectLst/>
-                <a:latin typeface="Britannic Bold" panose="020B0903060703020204" pitchFamily="34" charset="0"/>
-              </a:rPr>
-              <a:t>Logistic model is a common method for credit scoring.</a:t>
-            </a:r>
             <a:endParaRPr lang="en-US" sz="2400" dirty="0">
               <a:solidFill>
                 <a:schemeClr val="tx1"/>
               </a:solidFill>
               <a:latin typeface="Britannic Bold" panose="020B0903060703020204" pitchFamily="34" charset="0"/>
             </a:endParaRPr>
-          </a:p>
-          <a:p>
-            <a:pPr marL="342900" indent="-342900">
-              <a:buFont typeface="Wingdings" panose="05000000000000000000" pitchFamily="2" charset="2"/>
-              <a:buChar char="Ø"/>
-            </a:pPr>
-            <a:r>
-              <a:rPr lang="en-US" sz="2400" b="0" i="0" dirty="0">
-                <a:solidFill>
-                  <a:schemeClr val="tx1"/>
-                </a:solidFill>
-                <a:effectLst/>
-                <a:latin typeface="Britannic Bold" panose="020B0903060703020204" pitchFamily="34" charset="0"/>
-              </a:rPr>
-              <a:t>Logistic is suitable for binary classification tasks and can calculate the coefficients of each feature. </a:t>
-            </a:r>
           </a:p>
           <a:p>
             <a:endParaRPr lang="en-US" dirty="0"/>
@@ -6981,7 +8233,7 @@
         </p:spPr>
         <p:txBody>
           <a:bodyPr>
-            <a:normAutofit fontScale="92500" lnSpcReduction="20000"/>
+            <a:normAutofit lnSpcReduction="10000"/>
           </a:bodyPr>
           <a:lstStyle/>
           <a:p>
@@ -7062,22 +8314,6 @@
                 <a:latin typeface="Britannic Bold" panose="020B0903060703020204" pitchFamily="34" charset="0"/>
               </a:rPr>
               <a:t>Evaluation</a:t>
-            </a:r>
-          </a:p>
-          <a:p>
-            <a:pPr marL="342900" indent="-342900" algn="l">
-              <a:buFont typeface="Wingdings" panose="05000000000000000000" pitchFamily="2" charset="2"/>
-              <a:buChar char="Ø"/>
-            </a:pPr>
-            <a:r>
-              <a:rPr lang="en-US" sz="2400" b="0" i="0" dirty="0">
-                <a:solidFill>
-                  <a:schemeClr val="tx1"/>
-                </a:solidFill>
-                <a:effectLst/>
-                <a:latin typeface="Britannic Bold" panose="020B0903060703020204" pitchFamily="34" charset="0"/>
-              </a:rPr>
-              <a:t>Deploy</a:t>
             </a:r>
           </a:p>
           <a:p>
@@ -7198,7 +8434,7 @@
         </p:spPr>
         <p:txBody>
           <a:bodyPr>
-            <a:normAutofit fontScale="85000" lnSpcReduction="20000"/>
+            <a:normAutofit lnSpcReduction="10000"/>
           </a:bodyPr>
           <a:lstStyle/>
           <a:p>
@@ -7242,7 +8478,26 @@
                 <a:effectLst/>
                 <a:latin typeface="Inter"/>
               </a:rPr>
-              <a:t>nderstand, filter, clean, impute, remove, and much more so the data processed can generate results in a more reliable way for the analysis and for model ingestion.</a:t>
+              <a:t>nderstand, filter, and clean</a:t>
+            </a:r>
+            <a:r>
+              <a:rPr lang="en-US" sz="2400" dirty="0">
+                <a:solidFill>
+                  <a:schemeClr val="tx1"/>
+                </a:solidFill>
+                <a:latin typeface="Inter"/>
+              </a:rPr>
+              <a:t> </a:t>
+            </a:r>
+            <a:r>
+              <a:rPr lang="en-US" sz="2400" b="0" i="0" dirty="0">
+                <a:solidFill>
+                  <a:schemeClr val="tx1"/>
+                </a:solidFill>
+                <a:effectLst/>
+                <a:latin typeface="Inter"/>
+              </a:rPr>
+              <a:t>the data prior to generating models.</a:t>
             </a:r>
           </a:p>
           <a:p>
@@ -7313,37 +8568,23 @@
               <a:buChar char="Ø"/>
             </a:pPr>
             <a:r>
-              <a:rPr lang="en-US" sz="2400" b="0" i="0" dirty="0">
+              <a:rPr lang="en-US" sz="2400" dirty="0">
                 <a:solidFill>
                   <a:schemeClr val="tx1"/>
                 </a:solidFill>
-                <a:effectLst/>
                 <a:latin typeface="Inter"/>
               </a:rPr>
-              <a:t>Outliers - find and remove outliers that can bias the analysis.</a:t>
-            </a:r>
-          </a:p>
-          <a:p>
-            <a:pPr marL="342900" indent="-342900" algn="l">
-              <a:buFont typeface="Wingdings" panose="05000000000000000000" pitchFamily="2" charset="2"/>
-              <a:buChar char="Ø"/>
-            </a:pPr>
-            <a:r>
-              <a:rPr lang="en-US" sz="2400" b="0" i="0" dirty="0">
-                <a:solidFill>
-                  <a:schemeClr val="tx1"/>
-                </a:solidFill>
-                <a:effectLst/>
-                <a:latin typeface="Inter"/>
-              </a:rPr>
-              <a:t>Low Variance variables - remove variables that doesn't have impact on the target variable.</a:t>
-            </a:r>
-          </a:p>
-          <a:p>
-            <a:pPr marL="342900" indent="-342900">
-              <a:buFont typeface="Wingdings" panose="05000000000000000000" pitchFamily="2" charset="2"/>
-              <a:buChar char="Ø"/>
-            </a:pPr>
+              <a:t>Model engineering.</a:t>
+            </a:r>
+            <a:endParaRPr lang="en-US" sz="2400" b="0" i="0" dirty="0">
+              <a:solidFill>
+                <a:schemeClr val="tx1"/>
+              </a:solidFill>
+              <a:effectLst/>
+              <a:latin typeface="Inter"/>
+            </a:endParaRPr>
+          </a:p>
+          <a:p>
             <a:endParaRPr lang="en-US" sz="2400" b="0" i="0" dirty="0">
               <a:solidFill>
                 <a:srgbClr val="0066FF"/>
@@ -7751,7 +8992,7 @@
         </p:nvSpPr>
         <p:spPr>
           <a:xfrm>
-            <a:off x="684212" y="3360821"/>
+            <a:off x="856663" y="2259178"/>
             <a:ext cx="9999830" cy="2971801"/>
           </a:xfrm>
         </p:spPr>
@@ -7781,6 +9022,18 @@
               </a:rPr>
               <a:t>emoving the Nans.</a:t>
             </a:r>
+          </a:p>
+          <a:p>
+            <a:pPr marL="342900" indent="-342900">
+              <a:buFont typeface="Wingdings" panose="05000000000000000000" pitchFamily="2" charset="2"/>
+              <a:buChar char="Ø"/>
+            </a:pPr>
+            <a:endParaRPr lang="en-US" sz="2000" cap="none" dirty="0">
+              <a:solidFill>
+                <a:schemeClr val="tx1"/>
+              </a:solidFill>
+              <a:latin typeface="Bookman Old Style" panose="02050604050505020204" pitchFamily="18" charset="0"/>
+            </a:endParaRPr>
           </a:p>
           <a:p>
             <a:pPr marL="342900" indent="-342900">
@@ -7796,6 +9049,66 @@
           </a:p>
         </p:txBody>
       </p:sp>
+      <p:pic>
+        <p:nvPicPr>
+          <p:cNvPr id="5" name="Picture 4">
+            <a:extLst>
+              <a:ext uri="{FF2B5EF4-FFF2-40B4-BE49-F238E27FC236}">
+                <a16:creationId xmlns:a16="http://schemas.microsoft.com/office/drawing/2014/main" id="{F158D64D-8222-E8D9-7104-881FEFBC08F0}"/>
+              </a:ext>
+            </a:extLst>
+          </p:cNvPr>
+          <p:cNvPicPr>
+            <a:picLocks noChangeAspect="1"/>
+          </p:cNvPicPr>
+          <p:nvPr/>
+        </p:nvPicPr>
+        <p:blipFill>
+          <a:blip r:embed="rId2"/>
+          <a:stretch>
+            <a:fillRect/>
+          </a:stretch>
+        </p:blipFill>
+        <p:spPr>
+          <a:xfrm>
+            <a:off x="306552" y="3618610"/>
+            <a:ext cx="6556066" cy="2971801"/>
+          </a:xfrm>
+          <a:prstGeom prst="rect">
+            <a:avLst/>
+          </a:prstGeom>
+        </p:spPr>
+      </p:pic>
+      <p:pic>
+        <p:nvPicPr>
+          <p:cNvPr id="7" name="Picture 6">
+            <a:extLst>
+              <a:ext uri="{FF2B5EF4-FFF2-40B4-BE49-F238E27FC236}">
+                <a16:creationId xmlns:a16="http://schemas.microsoft.com/office/drawing/2014/main" id="{19A8B67B-C26F-686C-85FB-CBF2F1A2AE86}"/>
+              </a:ext>
+            </a:extLst>
+          </p:cNvPr>
+          <p:cNvPicPr>
+            <a:picLocks noChangeAspect="1"/>
+          </p:cNvPicPr>
+          <p:nvPr/>
+        </p:nvPicPr>
+        <p:blipFill>
+          <a:blip r:embed="rId3"/>
+          <a:stretch>
+            <a:fillRect/>
+          </a:stretch>
+        </p:blipFill>
+        <p:spPr>
+          <a:xfrm>
+            <a:off x="7017673" y="1948872"/>
+            <a:ext cx="2237261" cy="4779604"/>
+          </a:xfrm>
+          <a:prstGeom prst="rect">
+            <a:avLst/>
+          </a:prstGeom>
+        </p:spPr>
+      </p:pic>
     </p:spTree>
     <p:extLst>
       <p:ext uri="{BB962C8B-B14F-4D97-AF65-F5344CB8AC3E}">
@@ -7831,7 +9144,7 @@
           <p:cNvPr id="2" name="Title 1">
             <a:extLst>
               <a:ext uri="{FF2B5EF4-FFF2-40B4-BE49-F238E27FC236}">
-                <a16:creationId xmlns:a16="http://schemas.microsoft.com/office/drawing/2014/main" id="{E868016C-BAB7-4950-C1F6-B11CBE198948}"/>
+                <a16:creationId xmlns:a16="http://schemas.microsoft.com/office/drawing/2014/main" id="{D349A790-2E72-F8B0-8C83-75E1E36E6801}"/>
               </a:ext>
             </a:extLst>
           </p:cNvPr>
@@ -7839,140 +9152,123 @@
             <a:spLocks noGrp="1"/>
           </p:cNvSpPr>
           <p:nvPr>
-            <p:ph type="title"/>
+            <p:ph type="ctrTitle"/>
           </p:nvPr>
         </p:nvSpPr>
         <p:spPr>
           <a:xfrm>
-            <a:off x="1372579" y="80600"/>
-            <a:ext cx="8534401" cy="2281600"/>
+            <a:off x="1447426" y="-175127"/>
+            <a:ext cx="8836777" cy="2105527"/>
           </a:xfrm>
         </p:spPr>
         <p:txBody>
-          <a:bodyPr/>
+          <a:bodyPr>
+            <a:normAutofit/>
+          </a:bodyPr>
           <a:lstStyle/>
           <a:p>
             <a:pPr algn="ctr"/>
             <a:r>
-              <a:rPr lang="en-US" sz="5400" dirty="0">
-                <a:solidFill>
-                  <a:srgbClr val="FFFF00"/>
-                </a:solidFill>
-                <a:latin typeface="Algerian" panose="04020705040A02060702" pitchFamily="82" charset="0"/>
-              </a:rPr>
-              <a:t>modelling</a:t>
-            </a:r>
-            <a:r>
-              <a:rPr lang="en-US" sz="5400" b="0" i="0" dirty="0">
+              <a:rPr lang="en-US" sz="4800" b="0" i="0" dirty="0">
                 <a:solidFill>
                   <a:srgbClr val="FFFF00"/>
                 </a:solidFill>
                 <a:effectLst/>
                 <a:latin typeface="Algerian" panose="04020705040A02060702" pitchFamily="82" charset="0"/>
               </a:rPr>
+              <a:t>dropping Nans </a:t>
+            </a:r>
+            <a:r>
+              <a:rPr lang="en-US" sz="4800" b="0" i="0" dirty="0" err="1">
+                <a:solidFill>
+                  <a:srgbClr val="FFFF00"/>
+                </a:solidFill>
+                <a:effectLst/>
+                <a:latin typeface="Algerian" panose="04020705040A02060702" pitchFamily="82" charset="0"/>
+              </a:rPr>
+              <a:t>cont</a:t>
+            </a:r>
+            <a:r>
+              <a:rPr lang="en-US" sz="4800" b="0" i="0" dirty="0">
+                <a:solidFill>
+                  <a:srgbClr val="FFFF00"/>
+                </a:solidFill>
+                <a:effectLst/>
+                <a:latin typeface="Algerian" panose="04020705040A02060702" pitchFamily="82" charset="0"/>
+              </a:rPr>
               <a:t>:</a:t>
             </a:r>
-            <a:endParaRPr lang="en-US" sz="5400" dirty="0"/>
-          </a:p>
-        </p:txBody>
-      </p:sp>
-      <p:sp>
-        <p:nvSpPr>
-          <p:cNvPr id="3" name="Text Placeholder 2">
+            <a:br>
+              <a:rPr lang="en-US" sz="4800" dirty="0"/>
+            </a:br>
+            <a:endParaRPr lang="en-US" dirty="0"/>
+          </a:p>
+        </p:txBody>
+      </p:sp>
+      <p:pic>
+        <p:nvPicPr>
+          <p:cNvPr id="9" name="Picture 8">
             <a:extLst>
               <a:ext uri="{FF2B5EF4-FFF2-40B4-BE49-F238E27FC236}">
-                <a16:creationId xmlns:a16="http://schemas.microsoft.com/office/drawing/2014/main" id="{F1CE287C-D4D7-CE65-5CED-750812424593}"/>
+                <a16:creationId xmlns:a16="http://schemas.microsoft.com/office/drawing/2014/main" id="{4A895456-8084-F6E1-13FD-CDF182C87AA1}"/>
               </a:ext>
             </a:extLst>
           </p:cNvPr>
-          <p:cNvSpPr>
-            <a:spLocks noGrp="1"/>
-          </p:cNvSpPr>
-          <p:nvPr>
-            <p:ph type="body" idx="1"/>
-          </p:nvPr>
-        </p:nvSpPr>
+          <p:cNvPicPr>
+            <a:picLocks noChangeAspect="1"/>
+          </p:cNvPicPr>
+          <p:nvPr/>
+        </p:nvPicPr>
+        <p:blipFill>
+          <a:blip r:embed="rId2"/>
+          <a:stretch>
+            <a:fillRect/>
+          </a:stretch>
+        </p:blipFill>
         <p:spPr>
           <a:xfrm>
-            <a:off x="1305800" y="2898168"/>
-            <a:ext cx="8534400" cy="1498600"/>
+            <a:off x="482618" y="1182255"/>
+            <a:ext cx="5143414" cy="5494428"/>
           </a:xfrm>
+          <a:prstGeom prst="rect">
+            <a:avLst/>
+          </a:prstGeom>
         </p:spPr>
-        <p:txBody>
-          <a:bodyPr/>
-          <a:lstStyle/>
-          <a:p>
-            <a:pPr marL="285750" indent="-285750">
-              <a:buFont typeface="Wingdings" panose="05000000000000000000" pitchFamily="2" charset="2"/>
-              <a:buChar char="Ø"/>
-            </a:pPr>
-            <a:r>
-              <a:rPr lang="en-US" dirty="0">
-                <a:solidFill>
-                  <a:schemeClr val="tx1"/>
-                </a:solidFill>
-                <a:latin typeface="Bookman Old Style" panose="02050604050505020204" pitchFamily="18" charset="0"/>
-              </a:rPr>
-              <a:t>F</a:t>
-            </a:r>
-            <a:r>
-              <a:rPr lang="en-US" b="0" i="0" dirty="0">
-                <a:solidFill>
-                  <a:schemeClr val="tx1"/>
-                </a:solidFill>
-                <a:effectLst/>
-                <a:latin typeface="Bookman Old Style" panose="02050604050505020204" pitchFamily="18" charset="0"/>
-              </a:rPr>
-              <a:t>or this project </a:t>
-            </a:r>
-            <a:r>
-              <a:rPr lang="en-US" dirty="0">
-                <a:solidFill>
-                  <a:schemeClr val="tx1"/>
-                </a:solidFill>
-                <a:latin typeface="Bookman Old Style" panose="02050604050505020204" pitchFamily="18" charset="0"/>
-              </a:rPr>
-              <a:t> we </a:t>
-            </a:r>
-            <a:r>
-              <a:rPr lang="en-US" b="0" i="0" dirty="0">
-                <a:solidFill>
-                  <a:schemeClr val="tx1"/>
-                </a:solidFill>
-                <a:effectLst/>
-                <a:latin typeface="Bookman Old Style" panose="02050604050505020204" pitchFamily="18" charset="0"/>
-              </a:rPr>
-              <a:t>decided to use a simpler approach by using the Logistic Regression algorithm. </a:t>
-            </a:r>
-          </a:p>
-          <a:p>
-            <a:pPr marL="285750" indent="-285750">
-              <a:buFont typeface="Wingdings" panose="05000000000000000000" pitchFamily="2" charset="2"/>
-              <a:buChar char="Ø"/>
-            </a:pPr>
-            <a:r>
-              <a:rPr lang="en-US" dirty="0">
-                <a:solidFill>
-                  <a:schemeClr val="tx1"/>
-                </a:solidFill>
-                <a:latin typeface="Bookman Old Style" panose="02050604050505020204" pitchFamily="18" charset="0"/>
-              </a:rPr>
-              <a:t>Logistic regression takes in independent features and returns output as categorical output.</a:t>
-            </a:r>
-          </a:p>
-          <a:p>
-            <a:pPr marL="285750" indent="-285750">
-              <a:buFont typeface="Wingdings" panose="05000000000000000000" pitchFamily="2" charset="2"/>
-              <a:buChar char="Ø"/>
-            </a:pPr>
-            <a:endParaRPr lang="en-US" dirty="0"/>
-          </a:p>
-        </p:txBody>
-      </p:sp>
+      </p:pic>
+      <p:pic>
+        <p:nvPicPr>
+          <p:cNvPr id="11" name="Picture 10">
+            <a:extLst>
+              <a:ext uri="{FF2B5EF4-FFF2-40B4-BE49-F238E27FC236}">
+                <a16:creationId xmlns:a16="http://schemas.microsoft.com/office/drawing/2014/main" id="{6DD1FD59-95AB-DC92-E566-010C03B836E2}"/>
+              </a:ext>
+            </a:extLst>
+          </p:cNvPr>
+          <p:cNvPicPr>
+            <a:picLocks noChangeAspect="1"/>
+          </p:cNvPicPr>
+          <p:nvPr/>
+        </p:nvPicPr>
+        <p:blipFill>
+          <a:blip r:embed="rId3"/>
+          <a:stretch>
+            <a:fillRect/>
+          </a:stretch>
+        </p:blipFill>
+        <p:spPr>
+          <a:xfrm>
+            <a:off x="6292620" y="2156618"/>
+            <a:ext cx="5296359" cy="1676545"/>
+          </a:xfrm>
+          <a:prstGeom prst="rect">
+            <a:avLst/>
+          </a:prstGeom>
+        </p:spPr>
+      </p:pic>
     </p:spTree>
     <p:extLst>
       <p:ext uri="{BB962C8B-B14F-4D97-AF65-F5344CB8AC3E}">
-        <p14:creationId xmlns:p14="http://schemas.microsoft.com/office/powerpoint/2010/main" val="1404176688"/>
+        <p14:creationId xmlns:p14="http://schemas.microsoft.com/office/powerpoint/2010/main" val="1119603808"/>
       </p:ext>
     </p:extLst>
   </p:cSld>

--- a/Project4_presentation.pptx
+++ b/Project4_presentation.pptx
@@ -4,6 +4,9 @@
   <p:sldMasterIdLst>
     <p:sldMasterId id="2147483707" r:id="rId1"/>
   </p:sldMasterIdLst>
+  <p:notesMasterIdLst>
+    <p:notesMasterId r:id="rId19"/>
+  </p:notesMasterIdLst>
   <p:sldIdLst>
     <p:sldId id="256" r:id="rId2"/>
     <p:sldId id="266" r:id="rId3"/>
@@ -19,8 +22,8 @@
     <p:sldId id="282" r:id="rId13"/>
     <p:sldId id="285" r:id="rId14"/>
     <p:sldId id="279" r:id="rId15"/>
-    <p:sldId id="275" r:id="rId16"/>
-    <p:sldId id="271" r:id="rId17"/>
+    <p:sldId id="271" r:id="rId16"/>
+    <p:sldId id="275" r:id="rId17"/>
     <p:sldId id="274" r:id="rId18"/>
   </p:sldIdLst>
   <p:sldSz cx="12192000" cy="6858000"/>
@@ -140,6 +143,457 @@
 </p:cmAuthorLst>
 </file>
 
+<file path=ppt/notesMasters/notesMaster1.xml><?xml version="1.0" encoding="utf-8"?>
+<p:notesMaster xmlns:a="http://schemas.openxmlformats.org/drawingml/2006/main" xmlns:r="http://schemas.openxmlformats.org/officeDocument/2006/relationships" xmlns:p="http://schemas.openxmlformats.org/presentationml/2006/main">
+  <p:cSld>
+    <p:bg>
+      <p:bgRef idx="1001">
+        <a:schemeClr val="bg1"/>
+      </p:bgRef>
+    </p:bg>
+    <p:spTree>
+      <p:nvGrpSpPr>
+        <p:cNvPr id="1" name=""/>
+        <p:cNvGrpSpPr/>
+        <p:nvPr/>
+      </p:nvGrpSpPr>
+      <p:grpSpPr>
+        <a:xfrm>
+          <a:off x="0" y="0"/>
+          <a:ext cx="0" cy="0"/>
+          <a:chOff x="0" y="0"/>
+          <a:chExt cx="0" cy="0"/>
+        </a:xfrm>
+      </p:grpSpPr>
+      <p:sp>
+        <p:nvSpPr>
+          <p:cNvPr id="2" name="Header Placeholder 1"/>
+          <p:cNvSpPr>
+            <a:spLocks noGrp="1"/>
+          </p:cNvSpPr>
+          <p:nvPr>
+            <p:ph type="hdr" sz="quarter"/>
+          </p:nvPr>
+        </p:nvSpPr>
+        <p:spPr>
+          <a:xfrm>
+            <a:off x="0" y="0"/>
+            <a:ext cx="2971800" cy="458788"/>
+          </a:xfrm>
+          <a:prstGeom prst="rect">
+            <a:avLst/>
+          </a:prstGeom>
+        </p:spPr>
+        <p:txBody>
+          <a:bodyPr vert="horz" lIns="91440" tIns="45720" rIns="91440" bIns="45720" rtlCol="0"/>
+          <a:lstStyle>
+            <a:lvl1pPr algn="l">
+              <a:defRPr sz="1200"/>
+            </a:lvl1pPr>
+          </a:lstStyle>
+          <a:p>
+            <a:endParaRPr lang="en-US"/>
+          </a:p>
+        </p:txBody>
+      </p:sp>
+      <p:sp>
+        <p:nvSpPr>
+          <p:cNvPr id="3" name="Date Placeholder 2"/>
+          <p:cNvSpPr>
+            <a:spLocks noGrp="1"/>
+          </p:cNvSpPr>
+          <p:nvPr>
+            <p:ph type="dt" idx="1"/>
+          </p:nvPr>
+        </p:nvSpPr>
+        <p:spPr>
+          <a:xfrm>
+            <a:off x="3884613" y="0"/>
+            <a:ext cx="2971800" cy="458788"/>
+          </a:xfrm>
+          <a:prstGeom prst="rect">
+            <a:avLst/>
+          </a:prstGeom>
+        </p:spPr>
+        <p:txBody>
+          <a:bodyPr vert="horz" lIns="91440" tIns="45720" rIns="91440" bIns="45720" rtlCol="0"/>
+          <a:lstStyle>
+            <a:lvl1pPr algn="r">
+              <a:defRPr sz="1200"/>
+            </a:lvl1pPr>
+          </a:lstStyle>
+          <a:p>
+            <a:fld id="{E259F5B7-31D3-0A4F-B1B8-750BC252C6EA}" type="datetimeFigureOut">
+              <a:rPr lang="en-US" smtClean="0"/>
+              <a:t>8/31/22</a:t>
+            </a:fld>
+            <a:endParaRPr lang="en-US"/>
+          </a:p>
+        </p:txBody>
+      </p:sp>
+      <p:sp>
+        <p:nvSpPr>
+          <p:cNvPr id="4" name="Slide Image Placeholder 3"/>
+          <p:cNvSpPr>
+            <a:spLocks noGrp="1" noRot="1" noChangeAspect="1"/>
+          </p:cNvSpPr>
+          <p:nvPr>
+            <p:ph type="sldImg" idx="2"/>
+          </p:nvPr>
+        </p:nvSpPr>
+        <p:spPr>
+          <a:xfrm>
+            <a:off x="685800" y="1143000"/>
+            <a:ext cx="5486400" cy="3086100"/>
+          </a:xfrm>
+          <a:prstGeom prst="rect">
+            <a:avLst/>
+          </a:prstGeom>
+          <a:noFill/>
+          <a:ln w="12700">
+            <a:solidFill>
+              <a:prstClr val="black"/>
+            </a:solidFill>
+          </a:ln>
+        </p:spPr>
+        <p:txBody>
+          <a:bodyPr vert="horz" lIns="91440" tIns="45720" rIns="91440" bIns="45720" rtlCol="0" anchor="ctr"/>
+          <a:lstStyle/>
+          <a:p>
+            <a:endParaRPr lang="en-US"/>
+          </a:p>
+        </p:txBody>
+      </p:sp>
+      <p:sp>
+        <p:nvSpPr>
+          <p:cNvPr id="5" name="Notes Placeholder 4"/>
+          <p:cNvSpPr>
+            <a:spLocks noGrp="1"/>
+          </p:cNvSpPr>
+          <p:nvPr>
+            <p:ph type="body" sz="quarter" idx="3"/>
+          </p:nvPr>
+        </p:nvSpPr>
+        <p:spPr>
+          <a:xfrm>
+            <a:off x="685800" y="4400550"/>
+            <a:ext cx="5486400" cy="3600450"/>
+          </a:xfrm>
+          <a:prstGeom prst="rect">
+            <a:avLst/>
+          </a:prstGeom>
+        </p:spPr>
+        <p:txBody>
+          <a:bodyPr vert="horz" lIns="91440" tIns="45720" rIns="91440" bIns="45720" rtlCol="0"/>
+          <a:lstStyle/>
+          <a:p>
+            <a:pPr lvl="0"/>
+            <a:r>
+              <a:rPr lang="en-US"/>
+              <a:t>Click to edit Master text styles</a:t>
+            </a:r>
+          </a:p>
+          <a:p>
+            <a:pPr lvl="1"/>
+            <a:r>
+              <a:rPr lang="en-US"/>
+              <a:t>Second level</a:t>
+            </a:r>
+          </a:p>
+          <a:p>
+            <a:pPr lvl="2"/>
+            <a:r>
+              <a:rPr lang="en-US"/>
+              <a:t>Third level</a:t>
+            </a:r>
+          </a:p>
+          <a:p>
+            <a:pPr lvl="3"/>
+            <a:r>
+              <a:rPr lang="en-US"/>
+              <a:t>Fourth level</a:t>
+            </a:r>
+          </a:p>
+          <a:p>
+            <a:pPr lvl="4"/>
+            <a:r>
+              <a:rPr lang="en-US"/>
+              <a:t>Fifth level</a:t>
+            </a:r>
+          </a:p>
+        </p:txBody>
+      </p:sp>
+      <p:sp>
+        <p:nvSpPr>
+          <p:cNvPr id="6" name="Footer Placeholder 5"/>
+          <p:cNvSpPr>
+            <a:spLocks noGrp="1"/>
+          </p:cNvSpPr>
+          <p:nvPr>
+            <p:ph type="ftr" sz="quarter" idx="4"/>
+          </p:nvPr>
+        </p:nvSpPr>
+        <p:spPr>
+          <a:xfrm>
+            <a:off x="0" y="8685213"/>
+            <a:ext cx="2971800" cy="458787"/>
+          </a:xfrm>
+          <a:prstGeom prst="rect">
+            <a:avLst/>
+          </a:prstGeom>
+        </p:spPr>
+        <p:txBody>
+          <a:bodyPr vert="horz" lIns="91440" tIns="45720" rIns="91440" bIns="45720" rtlCol="0" anchor="b"/>
+          <a:lstStyle>
+            <a:lvl1pPr algn="l">
+              <a:defRPr sz="1200"/>
+            </a:lvl1pPr>
+          </a:lstStyle>
+          <a:p>
+            <a:endParaRPr lang="en-US"/>
+          </a:p>
+        </p:txBody>
+      </p:sp>
+      <p:sp>
+        <p:nvSpPr>
+          <p:cNvPr id="7" name="Slide Number Placeholder 6"/>
+          <p:cNvSpPr>
+            <a:spLocks noGrp="1"/>
+          </p:cNvSpPr>
+          <p:nvPr>
+            <p:ph type="sldNum" sz="quarter" idx="5"/>
+          </p:nvPr>
+        </p:nvSpPr>
+        <p:spPr>
+          <a:xfrm>
+            <a:off x="3884613" y="8685213"/>
+            <a:ext cx="2971800" cy="458787"/>
+          </a:xfrm>
+          <a:prstGeom prst="rect">
+            <a:avLst/>
+          </a:prstGeom>
+        </p:spPr>
+        <p:txBody>
+          <a:bodyPr vert="horz" lIns="91440" tIns="45720" rIns="91440" bIns="45720" rtlCol="0" anchor="b"/>
+          <a:lstStyle>
+            <a:lvl1pPr algn="r">
+              <a:defRPr sz="1200"/>
+            </a:lvl1pPr>
+          </a:lstStyle>
+          <a:p>
+            <a:fld id="{4D39940C-728D-B149-8F23-980044317BA3}" type="slidenum">
+              <a:rPr lang="en-US" smtClean="0"/>
+              <a:t>‹#›</a:t>
+            </a:fld>
+            <a:endParaRPr lang="en-US"/>
+          </a:p>
+        </p:txBody>
+      </p:sp>
+    </p:spTree>
+    <p:extLst>
+      <p:ext uri="{BB962C8B-B14F-4D97-AF65-F5344CB8AC3E}">
+        <p14:creationId xmlns:p14="http://schemas.microsoft.com/office/powerpoint/2010/main" val="275772670"/>
+      </p:ext>
+    </p:extLst>
+  </p:cSld>
+  <p:clrMap bg1="lt1" tx1="dk1" bg2="lt2" tx2="dk2" accent1="accent1" accent2="accent2" accent3="accent3" accent4="accent4" accent5="accent5" accent6="accent6" hlink="hlink" folHlink="folHlink"/>
+  <p:notesStyle>
+    <a:lvl1pPr marL="0" algn="l" defTabSz="914400" rtl="0" eaLnBrk="1" latinLnBrk="0" hangingPunct="1">
+      <a:defRPr sz="1200" kern="1200">
+        <a:solidFill>
+          <a:schemeClr val="tx1"/>
+        </a:solidFill>
+        <a:latin typeface="+mn-lt"/>
+        <a:ea typeface="+mn-ea"/>
+        <a:cs typeface="+mn-cs"/>
+      </a:defRPr>
+    </a:lvl1pPr>
+    <a:lvl2pPr marL="457200" algn="l" defTabSz="914400" rtl="0" eaLnBrk="1" latinLnBrk="0" hangingPunct="1">
+      <a:defRPr sz="1200" kern="1200">
+        <a:solidFill>
+          <a:schemeClr val="tx1"/>
+        </a:solidFill>
+        <a:latin typeface="+mn-lt"/>
+        <a:ea typeface="+mn-ea"/>
+        <a:cs typeface="+mn-cs"/>
+      </a:defRPr>
+    </a:lvl2pPr>
+    <a:lvl3pPr marL="914400" algn="l" defTabSz="914400" rtl="0" eaLnBrk="1" latinLnBrk="0" hangingPunct="1">
+      <a:defRPr sz="1200" kern="1200">
+        <a:solidFill>
+          <a:schemeClr val="tx1"/>
+        </a:solidFill>
+        <a:latin typeface="+mn-lt"/>
+        <a:ea typeface="+mn-ea"/>
+        <a:cs typeface="+mn-cs"/>
+      </a:defRPr>
+    </a:lvl3pPr>
+    <a:lvl4pPr marL="1371600" algn="l" defTabSz="914400" rtl="0" eaLnBrk="1" latinLnBrk="0" hangingPunct="1">
+      <a:defRPr sz="1200" kern="1200">
+        <a:solidFill>
+          <a:schemeClr val="tx1"/>
+        </a:solidFill>
+        <a:latin typeface="+mn-lt"/>
+        <a:ea typeface="+mn-ea"/>
+        <a:cs typeface="+mn-cs"/>
+      </a:defRPr>
+    </a:lvl4pPr>
+    <a:lvl5pPr marL="1828800" algn="l" defTabSz="914400" rtl="0" eaLnBrk="1" latinLnBrk="0" hangingPunct="1">
+      <a:defRPr sz="1200" kern="1200">
+        <a:solidFill>
+          <a:schemeClr val="tx1"/>
+        </a:solidFill>
+        <a:latin typeface="+mn-lt"/>
+        <a:ea typeface="+mn-ea"/>
+        <a:cs typeface="+mn-cs"/>
+      </a:defRPr>
+    </a:lvl5pPr>
+    <a:lvl6pPr marL="2286000" algn="l" defTabSz="914400" rtl="0" eaLnBrk="1" latinLnBrk="0" hangingPunct="1">
+      <a:defRPr sz="1200" kern="1200">
+        <a:solidFill>
+          <a:schemeClr val="tx1"/>
+        </a:solidFill>
+        <a:latin typeface="+mn-lt"/>
+        <a:ea typeface="+mn-ea"/>
+        <a:cs typeface="+mn-cs"/>
+      </a:defRPr>
+    </a:lvl6pPr>
+    <a:lvl7pPr marL="2743200" algn="l" defTabSz="914400" rtl="0" eaLnBrk="1" latinLnBrk="0" hangingPunct="1">
+      <a:defRPr sz="1200" kern="1200">
+        <a:solidFill>
+          <a:schemeClr val="tx1"/>
+        </a:solidFill>
+        <a:latin typeface="+mn-lt"/>
+        <a:ea typeface="+mn-ea"/>
+        <a:cs typeface="+mn-cs"/>
+      </a:defRPr>
+    </a:lvl7pPr>
+    <a:lvl8pPr marL="3200400" algn="l" defTabSz="914400" rtl="0" eaLnBrk="1" latinLnBrk="0" hangingPunct="1">
+      <a:defRPr sz="1200" kern="1200">
+        <a:solidFill>
+          <a:schemeClr val="tx1"/>
+        </a:solidFill>
+        <a:latin typeface="+mn-lt"/>
+        <a:ea typeface="+mn-ea"/>
+        <a:cs typeface="+mn-cs"/>
+      </a:defRPr>
+    </a:lvl8pPr>
+    <a:lvl9pPr marL="3657600" algn="l" defTabSz="914400" rtl="0" eaLnBrk="1" latinLnBrk="0" hangingPunct="1">
+      <a:defRPr sz="1200" kern="1200">
+        <a:solidFill>
+          <a:schemeClr val="tx1"/>
+        </a:solidFill>
+        <a:latin typeface="+mn-lt"/>
+        <a:ea typeface="+mn-ea"/>
+        <a:cs typeface="+mn-cs"/>
+      </a:defRPr>
+    </a:lvl9pPr>
+  </p:notesStyle>
+</p:notesMaster>
+</file>
+
+<file path=ppt/notesSlides/notesSlide1.xml><?xml version="1.0" encoding="utf-8"?>
+<p:notes xmlns:a="http://schemas.openxmlformats.org/drawingml/2006/main" xmlns:r="http://schemas.openxmlformats.org/officeDocument/2006/relationships" xmlns:p="http://schemas.openxmlformats.org/presentationml/2006/main">
+  <p:cSld>
+    <p:spTree>
+      <p:nvGrpSpPr>
+        <p:cNvPr id="1" name=""/>
+        <p:cNvGrpSpPr/>
+        <p:nvPr/>
+      </p:nvGrpSpPr>
+      <p:grpSpPr>
+        <a:xfrm>
+          <a:off x="0" y="0"/>
+          <a:ext cx="0" cy="0"/>
+          <a:chOff x="0" y="0"/>
+          <a:chExt cx="0" cy="0"/>
+        </a:xfrm>
+      </p:grpSpPr>
+      <p:sp>
+        <p:nvSpPr>
+          <p:cNvPr id="2" name="Slide Image Placeholder 1"/>
+          <p:cNvSpPr>
+            <a:spLocks noGrp="1" noRot="1" noChangeAspect="1"/>
+          </p:cNvSpPr>
+          <p:nvPr>
+            <p:ph type="sldImg"/>
+          </p:nvPr>
+        </p:nvSpPr>
+        <p:spPr/>
+      </p:sp>
+      <p:sp>
+        <p:nvSpPr>
+          <p:cNvPr id="3" name="Notes Placeholder 2"/>
+          <p:cNvSpPr>
+            <a:spLocks noGrp="1"/>
+          </p:cNvSpPr>
+          <p:nvPr>
+            <p:ph type="body" idx="1"/>
+          </p:nvPr>
+        </p:nvSpPr>
+        <p:spPr/>
+        <p:txBody>
+          <a:bodyPr/>
+          <a:lstStyle/>
+          <a:p>
+            <a:r>
+              <a:rPr lang="en-US" dirty="0"/>
+              <a:t>** going forward, further test our dataset by 1. Adding more previous data and look for data with minimal or no null values. , 2. Trying other models (decision tree classifier, create Deep Learning model, any model with binary classification).</a:t>
+            </a:r>
+          </a:p>
+          <a:p>
+            <a:endParaRPr lang="en-US" dirty="0"/>
+          </a:p>
+          <a:p>
+            <a:r>
+              <a:rPr lang="en-US" dirty="0"/>
+              <a:t>Future enhancement of this project could have been a flask app hosted on AWS server, where we could easily add new applicant information and get feedback for either approve or deny a new applicant. </a:t>
+            </a:r>
+          </a:p>
+          <a:p>
+            <a:endParaRPr lang="en-US" dirty="0"/>
+          </a:p>
+          <a:p>
+            <a:endParaRPr lang="en-US" dirty="0"/>
+          </a:p>
+        </p:txBody>
+      </p:sp>
+      <p:sp>
+        <p:nvSpPr>
+          <p:cNvPr id="4" name="Slide Number Placeholder 3"/>
+          <p:cNvSpPr>
+            <a:spLocks noGrp="1"/>
+          </p:cNvSpPr>
+          <p:nvPr>
+            <p:ph type="sldNum" sz="quarter" idx="5"/>
+          </p:nvPr>
+        </p:nvSpPr>
+        <p:spPr/>
+        <p:txBody>
+          <a:bodyPr/>
+          <a:lstStyle/>
+          <a:p>
+            <a:fld id="{4D39940C-728D-B149-8F23-980044317BA3}" type="slidenum">
+              <a:rPr lang="en-US" smtClean="0"/>
+              <a:t>16</a:t>
+            </a:fld>
+            <a:endParaRPr lang="en-US"/>
+          </a:p>
+        </p:txBody>
+      </p:sp>
+    </p:spTree>
+    <p:extLst>
+      <p:ext uri="{BB962C8B-B14F-4D97-AF65-F5344CB8AC3E}">
+        <p14:creationId xmlns:p14="http://schemas.microsoft.com/office/powerpoint/2010/main" val="2434000242"/>
+      </p:ext>
+    </p:extLst>
+  </p:cSld>
+  <p:clrMapOvr>
+    <a:masterClrMapping/>
+  </p:clrMapOvr>
+</p:notes>
+</file>
+
 <file path=ppt/slideLayouts/slideLayout1.xml><?xml version="1.0" encoding="utf-8"?>
 <p:sldLayout xmlns:a="http://schemas.openxmlformats.org/drawingml/2006/main" xmlns:r="http://schemas.openxmlformats.org/officeDocument/2006/relationships" xmlns:p="http://schemas.openxmlformats.org/presentationml/2006/main" showMasterSp="0" type="title" preserve="1">
   <p:cSld name="Title Slide">
@@ -331,7 +785,7 @@
           <a:p>
             <a:fld id="{FFD8E3DA-06A7-4017-AD9B-43907ED0ACB3}" type="datetimeFigureOut">
               <a:rPr lang="en-US" smtClean="0"/>
-              <a:t>8/30/2022</a:t>
+              <a:t>8/31/22</a:t>
             </a:fld>
             <a:endParaRPr lang="en-US"/>
           </a:p>
@@ -767,7 +1221,7 @@
           <a:p>
             <a:fld id="{FFD8E3DA-06A7-4017-AD9B-43907ED0ACB3}" type="datetimeFigureOut">
               <a:rPr lang="en-US" smtClean="0"/>
-              <a:t>8/30/2022</a:t>
+              <a:t>8/31/22</a:t>
             </a:fld>
             <a:endParaRPr lang="en-US"/>
           </a:p>
@@ -1017,7 +1471,7 @@
           <a:p>
             <a:fld id="{FFD8E3DA-06A7-4017-AD9B-43907ED0ACB3}" type="datetimeFigureOut">
               <a:rPr lang="en-US" smtClean="0"/>
-              <a:t>8/30/2022</a:t>
+              <a:t>8/31/22</a:t>
             </a:fld>
             <a:endParaRPr lang="en-US"/>
           </a:p>
@@ -1325,7 +1779,7 @@
           <a:p>
             <a:fld id="{FFD8E3DA-06A7-4017-AD9B-43907ED0ACB3}" type="datetimeFigureOut">
               <a:rPr lang="en-US" smtClean="0"/>
-              <a:t>8/30/2022</a:t>
+              <a:t>8/31/22</a:t>
             </a:fld>
             <a:endParaRPr lang="en-US"/>
           </a:p>
@@ -1643,7 +2097,7 @@
           <a:p>
             <a:fld id="{FFD8E3DA-06A7-4017-AD9B-43907ED0ACB3}" type="datetimeFigureOut">
               <a:rPr lang="en-US" smtClean="0"/>
-              <a:t>8/30/2022</a:t>
+              <a:t>8/31/22</a:t>
             </a:fld>
             <a:endParaRPr lang="en-US"/>
           </a:p>
@@ -1945,7 +2399,7 @@
           <a:p>
             <a:fld id="{FFD8E3DA-06A7-4017-AD9B-43907ED0ACB3}" type="datetimeFigureOut">
               <a:rPr lang="en-US" smtClean="0"/>
-              <a:t>8/30/2022</a:t>
+              <a:t>8/31/22</a:t>
             </a:fld>
             <a:endParaRPr lang="en-US"/>
           </a:p>
@@ -2312,7 +2766,7 @@
           <a:p>
             <a:fld id="{FFD8E3DA-06A7-4017-AD9B-43907ED0ACB3}" type="datetimeFigureOut">
               <a:rPr lang="en-US" smtClean="0"/>
-              <a:t>8/30/2022</a:t>
+              <a:t>8/31/22</a:t>
             </a:fld>
             <a:endParaRPr lang="en-US"/>
           </a:p>
@@ -2486,7 +2940,7 @@
           <a:p>
             <a:fld id="{FFD8E3DA-06A7-4017-AD9B-43907ED0ACB3}" type="datetimeFigureOut">
               <a:rPr lang="en-US" smtClean="0"/>
-              <a:t>8/30/2022</a:t>
+              <a:t>8/31/22</a:t>
             </a:fld>
             <a:endParaRPr lang="en-US"/>
           </a:p>
@@ -2666,7 +3120,7 @@
           <a:p>
             <a:fld id="{FFD8E3DA-06A7-4017-AD9B-43907ED0ACB3}" type="datetimeFigureOut">
               <a:rPr lang="en-US" smtClean="0"/>
-              <a:t>8/30/2022</a:t>
+              <a:t>8/31/22</a:t>
             </a:fld>
             <a:endParaRPr lang="en-US"/>
           </a:p>
@@ -2836,7 +3290,7 @@
           <a:p>
             <a:fld id="{FFD8E3DA-06A7-4017-AD9B-43907ED0ACB3}" type="datetimeFigureOut">
               <a:rPr lang="en-US" smtClean="0"/>
-              <a:t>8/30/2022</a:t>
+              <a:t>8/31/22</a:t>
             </a:fld>
             <a:endParaRPr lang="en-US"/>
           </a:p>
@@ -3086,7 +3540,7 @@
           <a:p>
             <a:fld id="{FFD8E3DA-06A7-4017-AD9B-43907ED0ACB3}" type="datetimeFigureOut">
               <a:rPr lang="en-US" smtClean="0"/>
-              <a:t>8/30/2022</a:t>
+              <a:t>8/31/22</a:t>
             </a:fld>
             <a:endParaRPr lang="en-US"/>
           </a:p>
@@ -3322,7 +3776,7 @@
           <a:p>
             <a:fld id="{FFD8E3DA-06A7-4017-AD9B-43907ED0ACB3}" type="datetimeFigureOut">
               <a:rPr lang="en-US" smtClean="0"/>
-              <a:t>8/30/2022</a:t>
+              <a:t>8/31/22</a:t>
             </a:fld>
             <a:endParaRPr lang="en-US"/>
           </a:p>
@@ -3704,7 +4158,7 @@
           <a:p>
             <a:fld id="{FFD8E3DA-06A7-4017-AD9B-43907ED0ACB3}" type="datetimeFigureOut">
               <a:rPr lang="en-US" smtClean="0"/>
-              <a:t>8/30/2022</a:t>
+              <a:t>8/31/22</a:t>
             </a:fld>
             <a:endParaRPr lang="en-US"/>
           </a:p>
@@ -3822,7 +4276,7 @@
           <a:p>
             <a:fld id="{FFD8E3DA-06A7-4017-AD9B-43907ED0ACB3}" type="datetimeFigureOut">
               <a:rPr lang="en-US" smtClean="0"/>
-              <a:t>8/30/2022</a:t>
+              <a:t>8/31/22</a:t>
             </a:fld>
             <a:endParaRPr lang="en-US"/>
           </a:p>
@@ -3917,7 +4371,7 @@
           <a:p>
             <a:fld id="{FFD8E3DA-06A7-4017-AD9B-43907ED0ACB3}" type="datetimeFigureOut">
               <a:rPr lang="en-US" smtClean="0"/>
-              <a:t>8/30/2022</a:t>
+              <a:t>8/31/22</a:t>
             </a:fld>
             <a:endParaRPr lang="en-US"/>
           </a:p>
@@ -4172,7 +4626,7 @@
           <a:p>
             <a:fld id="{FFD8E3DA-06A7-4017-AD9B-43907ED0ACB3}" type="datetimeFigureOut">
               <a:rPr lang="en-US" smtClean="0"/>
-              <a:t>8/30/2022</a:t>
+              <a:t>8/31/22</a:t>
             </a:fld>
             <a:endParaRPr lang="en-US"/>
           </a:p>
@@ -4455,7 +4909,7 @@
           <a:p>
             <a:fld id="{FFD8E3DA-06A7-4017-AD9B-43907ED0ACB3}" type="datetimeFigureOut">
               <a:rPr lang="en-US" smtClean="0"/>
-              <a:t>8/30/2022</a:t>
+              <a:t>8/31/22</a:t>
             </a:fld>
             <a:endParaRPr lang="en-US"/>
           </a:p>
@@ -4861,7 +5315,7 @@
           <a:p>
             <a:fld id="{FFD8E3DA-06A7-4017-AD9B-43907ED0ACB3}" type="datetimeFigureOut">
               <a:rPr lang="en-US" smtClean="0"/>
-              <a:t>8/30/2022</a:t>
+              <a:t>8/31/22</a:t>
             </a:fld>
             <a:endParaRPr lang="en-US"/>
           </a:p>
@@ -6755,7 +7209,7 @@
           <p:cNvPr id="2" name="Title 1">
             <a:extLst>
               <a:ext uri="{FF2B5EF4-FFF2-40B4-BE49-F238E27FC236}">
-                <a16:creationId xmlns:a16="http://schemas.microsoft.com/office/drawing/2014/main" id="{0DE88B27-91BE-400E-0903-D77712F4FFB1}"/>
+                <a16:creationId xmlns:a16="http://schemas.microsoft.com/office/drawing/2014/main" id="{19D4D171-A7DB-FADF-EFC7-345CF41B7FE4}"/>
               </a:ext>
             </a:extLst>
           </p:cNvPr>
@@ -6763,40 +7217,31 @@
             <a:spLocks noGrp="1"/>
           </p:cNvSpPr>
           <p:nvPr>
-            <p:ph type="ctrTitle"/>
+            <p:ph type="title"/>
           </p:nvPr>
         </p:nvSpPr>
         <p:spPr>
           <a:xfrm>
-            <a:off x="684211" y="605750"/>
-            <a:ext cx="9553986" cy="1106906"/>
+            <a:off x="1444927" y="0"/>
+            <a:ext cx="8534401" cy="1498600"/>
           </a:xfrm>
         </p:spPr>
         <p:txBody>
-          <a:bodyPr/>
+          <a:bodyPr>
+            <a:normAutofit/>
+          </a:bodyPr>
           <a:lstStyle/>
           <a:p>
             <a:pPr algn="ctr"/>
             <a:r>
-              <a:rPr lang="en-US" dirty="0">
+              <a:rPr lang="en-US" sz="4000" dirty="0">
                 <a:solidFill>
                   <a:srgbClr val="FFFF00"/>
                 </a:solidFill>
                 <a:latin typeface="Algerian" panose="04020705040A02060702" pitchFamily="82" charset="0"/>
               </a:rPr>
-              <a:t>conclusion</a:t>
-            </a:r>
-            <a:r>
-              <a:rPr lang="en-US" sz="4800" b="0" i="0" dirty="0">
-                <a:solidFill>
-                  <a:srgbClr val="FFFF00"/>
-                </a:solidFill>
-                <a:effectLst/>
-                <a:latin typeface="Algerian" panose="04020705040A02060702" pitchFamily="82" charset="0"/>
-              </a:rPr>
-              <a:t>:</a:t>
-            </a:r>
-            <a:endParaRPr lang="en-US" dirty="0"/>
+              <a:t>Project challenges:</a:t>
+            </a:r>
           </a:p>
         </p:txBody>
       </p:sp>
@@ -6805,7 +7250,7 @@
           <p:cNvPr id="5" name="Text Placeholder 2">
             <a:extLst>
               <a:ext uri="{FF2B5EF4-FFF2-40B4-BE49-F238E27FC236}">
-                <a16:creationId xmlns:a16="http://schemas.microsoft.com/office/drawing/2014/main" id="{93CC2FA0-9013-117A-973F-4A732FF51938}"/>
+                <a16:creationId xmlns:a16="http://schemas.microsoft.com/office/drawing/2014/main" id="{212CBFA9-6D07-26EB-19E7-69FC311923A6}"/>
               </a:ext>
             </a:extLst>
           </p:cNvPr>
@@ -6816,8 +7261,8 @@
         </p:nvSpPr>
         <p:spPr>
           <a:xfrm>
-            <a:off x="1427445" y="1930400"/>
-            <a:ext cx="8534400" cy="2092960"/>
+            <a:off x="1314829" y="1694021"/>
+            <a:ext cx="8534400" cy="1957296"/>
           </a:xfrm>
           <a:prstGeom prst="rect">
             <a:avLst/>
@@ -6825,7 +7270,7 @@
         </p:spPr>
         <p:txBody>
           <a:bodyPr vert="horz" lIns="91440" tIns="45720" rIns="91440" bIns="45720" rtlCol="0" anchor="t">
-            <a:normAutofit fontScale="77500" lnSpcReduction="20000"/>
+            <a:normAutofit fontScale="92500"/>
           </a:bodyPr>
           <a:lstStyle>
             <a:lvl1pPr marL="0" indent="0" algn="l" defTabSz="457200" rtl="0" eaLnBrk="1" latinLnBrk="0" hangingPunct="1">
@@ -7066,7 +7511,7 @@
                 </a:solidFill>
                 <a:latin typeface="Bookman Old Style" panose="02050604050505020204" pitchFamily="18" charset="0"/>
               </a:rPr>
-              <a:t>As we had hoped, our linear regression model was a strong choice for our dataset. </a:t>
+              <a:t>Time associated with dataset selection. </a:t>
             </a:r>
           </a:p>
           <a:p>
@@ -7081,7 +7526,7 @@
                 </a:solidFill>
                 <a:latin typeface="Bookman Old Style" panose="02050604050505020204" pitchFamily="18" charset="0"/>
               </a:rPr>
-              <a:t>We received high scores on both training and test. </a:t>
+              <a:t>Workload associated with data cleaning and model optimization.</a:t>
             </a:r>
           </a:p>
           <a:p>
@@ -7096,7 +7541,7 @@
                 </a:solidFill>
                 <a:latin typeface="Bookman Old Style" panose="02050604050505020204" pitchFamily="18" charset="0"/>
               </a:rPr>
-              <a:t>After attempting optimization, we saw a favorable increase in the training. However, the increase was marginal at best for the test</a:t>
+              <a:t>Data size was very large, took a lot of time to train the models.</a:t>
             </a:r>
           </a:p>
           <a:p>
@@ -7111,7 +7556,7 @@
                 </a:solidFill>
                 <a:latin typeface="Bookman Old Style" panose="02050604050505020204" pitchFamily="18" charset="0"/>
               </a:rPr>
-              <a:t>Going forward, we would have the opportunity to further test our model with the application dataset which would provide a realistic test for live deployment.</a:t>
+              <a:t>Get dummies trap</a:t>
             </a:r>
           </a:p>
           <a:p>
@@ -7123,10 +7568,60 @@
           </a:p>
         </p:txBody>
       </p:sp>
+      <p:sp>
+        <p:nvSpPr>
+          <p:cNvPr id="3" name="TextBox 2">
+            <a:extLst>
+              <a:ext uri="{FF2B5EF4-FFF2-40B4-BE49-F238E27FC236}">
+                <a16:creationId xmlns:a16="http://schemas.microsoft.com/office/drawing/2014/main" id="{7D2955D6-4E01-A591-7CBB-2802A382E9C9}"/>
+              </a:ext>
+            </a:extLst>
+          </p:cNvPr>
+          <p:cNvSpPr txBox="1"/>
+          <p:nvPr/>
+        </p:nvSpPr>
+        <p:spPr>
+          <a:xfrm>
+            <a:off x="1444927" y="5804034"/>
+            <a:ext cx="7613583" cy="276999"/>
+          </a:xfrm>
+          <a:prstGeom prst="rect">
+            <a:avLst/>
+          </a:prstGeom>
+          <a:noFill/>
+        </p:spPr>
+        <p:txBody>
+          <a:bodyPr wrap="square" rtlCol="0">
+            <a:spAutoFit/>
+          </a:bodyPr>
+          <a:lstStyle/>
+          <a:p>
+            <a:r>
+              <a:rPr lang="en-US" sz="1200" dirty="0"/>
+              <a:t>Get </a:t>
+            </a:r>
+            <a:r>
+              <a:rPr lang="en-US" sz="1200"/>
+              <a:t>Dummies Trap Source</a:t>
+            </a:r>
+            <a:r>
+              <a:rPr lang="en-US" sz="1200" dirty="0"/>
+              <a:t>: </a:t>
+            </a:r>
+            <a:r>
+              <a:rPr lang="en-US" sz="1200" dirty="0">
+                <a:hlinkClick r:id="rId2"/>
+              </a:rPr>
+              <a:t>https://builtin.com/machine-learning/dummy-variable-trap-pandas</a:t>
+            </a:r>
+            <a:endParaRPr lang="en-US" sz="1200" dirty="0"/>
+          </a:p>
+        </p:txBody>
+      </p:sp>
     </p:spTree>
     <p:extLst>
       <p:ext uri="{BB962C8B-B14F-4D97-AF65-F5344CB8AC3E}">
-        <p14:creationId xmlns:p14="http://schemas.microsoft.com/office/powerpoint/2010/main" val="2796645175"/>
+        <p14:creationId xmlns:p14="http://schemas.microsoft.com/office/powerpoint/2010/main" val="2430088434"/>
       </p:ext>
     </p:extLst>
   </p:cSld>
@@ -7158,7 +7653,7 @@
           <p:cNvPr id="2" name="Title 1">
             <a:extLst>
               <a:ext uri="{FF2B5EF4-FFF2-40B4-BE49-F238E27FC236}">
-                <a16:creationId xmlns:a16="http://schemas.microsoft.com/office/drawing/2014/main" id="{19D4D171-A7DB-FADF-EFC7-345CF41B7FE4}"/>
+                <a16:creationId xmlns:a16="http://schemas.microsoft.com/office/drawing/2014/main" id="{0DE88B27-91BE-400E-0903-D77712F4FFB1}"/>
               </a:ext>
             </a:extLst>
           </p:cNvPr>
@@ -7166,31 +7661,40 @@
             <a:spLocks noGrp="1"/>
           </p:cNvSpPr>
           <p:nvPr>
-            <p:ph type="title"/>
+            <p:ph type="ctrTitle"/>
           </p:nvPr>
         </p:nvSpPr>
         <p:spPr>
           <a:xfrm>
-            <a:off x="1444927" y="0"/>
-            <a:ext cx="8534401" cy="1498600"/>
+            <a:off x="684211" y="605750"/>
+            <a:ext cx="9553986" cy="1106906"/>
           </a:xfrm>
         </p:spPr>
         <p:txBody>
-          <a:bodyPr>
-            <a:normAutofit/>
-          </a:bodyPr>
+          <a:bodyPr/>
           <a:lstStyle/>
           <a:p>
             <a:pPr algn="ctr"/>
             <a:r>
-              <a:rPr lang="en-US" sz="4000" dirty="0">
+              <a:rPr lang="en-US" dirty="0">
                 <a:solidFill>
                   <a:srgbClr val="FFFF00"/>
                 </a:solidFill>
                 <a:latin typeface="Algerian" panose="04020705040A02060702" pitchFamily="82" charset="0"/>
               </a:rPr>
-              <a:t>Technical challenges:</a:t>
-            </a:r>
+              <a:t>conclusion</a:t>
+            </a:r>
+            <a:r>
+              <a:rPr lang="en-US" sz="4800" b="0" i="0" dirty="0">
+                <a:solidFill>
+                  <a:srgbClr val="FFFF00"/>
+                </a:solidFill>
+                <a:effectLst/>
+                <a:latin typeface="Algerian" panose="04020705040A02060702" pitchFamily="82" charset="0"/>
+              </a:rPr>
+              <a:t>:</a:t>
+            </a:r>
+            <a:endParaRPr lang="en-US" dirty="0"/>
           </a:p>
         </p:txBody>
       </p:sp>
@@ -7199,7 +7703,7 @@
           <p:cNvPr id="5" name="Text Placeholder 2">
             <a:extLst>
               <a:ext uri="{FF2B5EF4-FFF2-40B4-BE49-F238E27FC236}">
-                <a16:creationId xmlns:a16="http://schemas.microsoft.com/office/drawing/2014/main" id="{212CBFA9-6D07-26EB-19E7-69FC311923A6}"/>
+                <a16:creationId xmlns:a16="http://schemas.microsoft.com/office/drawing/2014/main" id="{93CC2FA0-9013-117A-973F-4A732FF51938}"/>
               </a:ext>
             </a:extLst>
           </p:cNvPr>
@@ -7210,8 +7714,8 @@
         </p:nvSpPr>
         <p:spPr>
           <a:xfrm>
-            <a:off x="1372581" y="1471704"/>
-            <a:ext cx="8534400" cy="1957296"/>
+            <a:off x="1427445" y="1930399"/>
+            <a:ext cx="9553986" cy="4133517"/>
           </a:xfrm>
           <a:prstGeom prst="rect">
             <a:avLst/>
@@ -7219,7 +7723,7 @@
         </p:spPr>
         <p:txBody>
           <a:bodyPr vert="horz" lIns="91440" tIns="45720" rIns="91440" bIns="45720" rtlCol="0" anchor="t">
-            <a:normAutofit fontScale="92500" lnSpcReduction="20000"/>
+            <a:noAutofit/>
           </a:bodyPr>
           <a:lstStyle>
             <a:lvl1pPr marL="0" indent="0" algn="l" defTabSz="457200" rtl="0" eaLnBrk="1" latinLnBrk="0" hangingPunct="1">
@@ -7454,13 +7958,13 @@
               <a:buChar char="Ø"/>
             </a:pPr>
             <a:r>
-              <a:rPr lang="en-US" dirty="0">
+              <a:rPr lang="en-US" sz="1600" dirty="0">
                 <a:solidFill>
                   <a:schemeClr val="tx1"/>
                 </a:solidFill>
                 <a:latin typeface="Bookman Old Style" panose="02050604050505020204" pitchFamily="18" charset="0"/>
               </a:rPr>
-              <a:t>Time associated with dataset selection. </a:t>
+              <a:t>As we had hoped, our logistic regression and random forest model were strong choices for our dataset. </a:t>
             </a:r>
           </a:p>
           <a:p>
@@ -7469,13 +7973,13 @@
               <a:buChar char="Ø"/>
             </a:pPr>
             <a:r>
-              <a:rPr lang="en-US" dirty="0">
+              <a:rPr lang="en-US" sz="1600" dirty="0">
                 <a:solidFill>
                   <a:schemeClr val="tx1"/>
                 </a:solidFill>
                 <a:latin typeface="Bookman Old Style" panose="02050604050505020204" pitchFamily="18" charset="0"/>
               </a:rPr>
-              <a:t>Workload associated with data cleaning and optimization.</a:t>
+              <a:t>We received high accuracy scores on both training and test datasets for each model. After attempting optimization, we saw a favorable increase in training. However, the increase was marginal at best for the test.</a:t>
             </a:r>
           </a:p>
           <a:p>
@@ -7484,13 +7988,13 @@
               <a:buChar char="Ø"/>
             </a:pPr>
             <a:r>
-              <a:rPr lang="en-US" dirty="0">
+              <a:rPr lang="en-US" sz="1600" dirty="0">
                 <a:solidFill>
                   <a:schemeClr val="tx1"/>
                 </a:solidFill>
                 <a:latin typeface="Bookman Old Style" panose="02050604050505020204" pitchFamily="18" charset="0"/>
               </a:rPr>
-              <a:t>Data size.</a:t>
+              <a:t>Random Forest Classifier, with 100 estimators, gave us the best accuracy (83.1%). </a:t>
             </a:r>
           </a:p>
           <a:p>
@@ -7499,13 +8003,13 @@
               <a:buChar char="Ø"/>
             </a:pPr>
             <a:r>
-              <a:rPr lang="en-US" dirty="0">
+              <a:rPr lang="en-US" sz="1600" dirty="0">
                 <a:solidFill>
                   <a:schemeClr val="tx1"/>
                 </a:solidFill>
                 <a:latin typeface="Bookman Old Style" panose="02050604050505020204" pitchFamily="18" charset="0"/>
               </a:rPr>
-              <a:t>Get dummies trap.</a:t>
+              <a:t>Going forward, we would want to add more data and look for data with minimal to no null values. </a:t>
             </a:r>
           </a:p>
           <a:p>
@@ -7514,22 +8018,13 @@
               <a:buChar char="Ø"/>
             </a:pPr>
             <a:r>
-              <a:rPr lang="en-US" dirty="0" err="1">
+              <a:rPr lang="en-US" sz="1600" dirty="0">
                 <a:solidFill>
                   <a:schemeClr val="tx1"/>
                 </a:solidFill>
                 <a:latin typeface="Bookman Old Style" panose="02050604050505020204" pitchFamily="18" charset="0"/>
               </a:rPr>
-              <a:t>Github</a:t>
-            </a:r>
-            <a:r>
-              <a:rPr lang="en-US" dirty="0">
-                <a:solidFill>
-                  <a:schemeClr val="tx1"/>
-                </a:solidFill>
-                <a:latin typeface="Bookman Old Style" panose="02050604050505020204" pitchFamily="18" charset="0"/>
-              </a:rPr>
-              <a:t> debacle.</a:t>
+              <a:t>Try other models (Decision Tree Classifier, Deep Neural Networks, etc.).</a:t>
             </a:r>
           </a:p>
           <a:p>
@@ -7537,26 +8032,22 @@
               <a:buFont typeface="Wingdings" panose="05000000000000000000" pitchFamily="2" charset="2"/>
               <a:buChar char="Ø"/>
             </a:pPr>
-            <a:endParaRPr lang="en-US" dirty="0">
-              <a:solidFill>
-                <a:schemeClr val="tx1"/>
-              </a:solidFill>
-              <a:latin typeface="Bookman Old Style" panose="02050604050505020204" pitchFamily="18" charset="0"/>
-            </a:endParaRPr>
-          </a:p>
-          <a:p>
-            <a:pPr marL="285750" indent="-285750">
-              <a:buFont typeface="Wingdings" panose="05000000000000000000" pitchFamily="2" charset="2"/>
-              <a:buChar char="Ø"/>
-            </a:pPr>
-            <a:endParaRPr lang="en-US" dirty="0"/>
+            <a:r>
+              <a:rPr lang="en-US" sz="1600" dirty="0">
+                <a:solidFill>
+                  <a:schemeClr val="tx1"/>
+                </a:solidFill>
+                <a:latin typeface="Bookman Old Style" panose="02050604050505020204" pitchFamily="18" charset="0"/>
+              </a:rPr>
+              <a:t>Future enhancement would be to include flask front end app.</a:t>
+            </a:r>
           </a:p>
         </p:txBody>
       </p:sp>
     </p:spTree>
     <p:extLst>
       <p:ext uri="{BB962C8B-B14F-4D97-AF65-F5344CB8AC3E}">
-        <p14:creationId xmlns:p14="http://schemas.microsoft.com/office/powerpoint/2010/main" val="2430088434"/>
+        <p14:creationId xmlns:p14="http://schemas.microsoft.com/office/powerpoint/2010/main" val="2796645175"/>
       </p:ext>
     </p:extLst>
   </p:cSld>
@@ -9550,4 +10041,299 @@
     </a:ext>
   </a:extLst>
 </a:theme>
+</file>
+
+<file path=ppt/theme/theme2.xml><?xml version="1.0" encoding="utf-8"?>
+<a:theme xmlns:a="http://schemas.openxmlformats.org/drawingml/2006/main" name="Office Theme">
+  <a:themeElements>
+    <a:clrScheme name="Office">
+      <a:dk1>
+        <a:sysClr val="windowText" lastClr="000000"/>
+      </a:dk1>
+      <a:lt1>
+        <a:sysClr val="window" lastClr="FFFFFF"/>
+      </a:lt1>
+      <a:dk2>
+        <a:srgbClr val="44546A"/>
+      </a:dk2>
+      <a:lt2>
+        <a:srgbClr val="E7E6E6"/>
+      </a:lt2>
+      <a:accent1>
+        <a:srgbClr val="4472C4"/>
+      </a:accent1>
+      <a:accent2>
+        <a:srgbClr val="ED7D31"/>
+      </a:accent2>
+      <a:accent3>
+        <a:srgbClr val="A5A5A5"/>
+      </a:accent3>
+      <a:accent4>
+        <a:srgbClr val="FFC000"/>
+      </a:accent4>
+      <a:accent5>
+        <a:srgbClr val="5B9BD5"/>
+      </a:accent5>
+      <a:accent6>
+        <a:srgbClr val="70AD47"/>
+      </a:accent6>
+      <a:hlink>
+        <a:srgbClr val="0563C1"/>
+      </a:hlink>
+      <a:folHlink>
+        <a:srgbClr val="954F72"/>
+      </a:folHlink>
+    </a:clrScheme>
+    <a:fontScheme name="Office">
+      <a:majorFont>
+        <a:latin typeface="Calibri Light" panose="020F0302020204030204"/>
+        <a:ea typeface=""/>
+        <a:cs typeface=""/>
+        <a:font script="Jpan" typeface="游ゴシック Light"/>
+        <a:font script="Hang" typeface="맑은 고딕"/>
+        <a:font script="Hans" typeface="等线 Light"/>
+        <a:font script="Hant" typeface="新細明體"/>
+        <a:font script="Arab" typeface="Times New Roman"/>
+        <a:font script="Hebr" typeface="Times New Roman"/>
+        <a:font script="Thai" typeface="Angsana New"/>
+        <a:font script="Ethi" typeface="Nyala"/>
+        <a:font script="Beng" typeface="Vrinda"/>
+        <a:font script="Gujr" typeface="Shruti"/>
+        <a:font script="Khmr" typeface="MoolBoran"/>
+        <a:font script="Knda" typeface="Tunga"/>
+        <a:font script="Guru" typeface="Raavi"/>
+        <a:font script="Cans" typeface="Euphemia"/>
+        <a:font script="Cher" typeface="Plantagenet Cherokee"/>
+        <a:font script="Yiii" typeface="Microsoft Yi Baiti"/>
+        <a:font script="Tibt" typeface="Microsoft Himalaya"/>
+        <a:font script="Thaa" typeface="MV Boli"/>
+        <a:font script="Deva" typeface="Mangal"/>
+        <a:font script="Telu" typeface="Gautami"/>
+        <a:font script="Taml" typeface="Latha"/>
+        <a:font script="Syrc" typeface="Estrangelo Edessa"/>
+        <a:font script="Orya" typeface="Kalinga"/>
+        <a:font script="Mlym" typeface="Kartika"/>
+        <a:font script="Laoo" typeface="DokChampa"/>
+        <a:font script="Sinh" typeface="Iskoola Pota"/>
+        <a:font script="Mong" typeface="Mongolian Baiti"/>
+        <a:font script="Viet" typeface="Times New Roman"/>
+        <a:font script="Uigh" typeface="Microsoft Uighur"/>
+        <a:font script="Geor" typeface="Sylfaen"/>
+        <a:font script="Armn" typeface="Arial"/>
+        <a:font script="Bugi" typeface="Leelawadee UI"/>
+        <a:font script="Bopo" typeface="Microsoft JhengHei"/>
+        <a:font script="Java" typeface="Javanese Text"/>
+        <a:font script="Lisu" typeface="Segoe UI"/>
+        <a:font script="Mymr" typeface="Myanmar Text"/>
+        <a:font script="Nkoo" typeface="Ebrima"/>
+        <a:font script="Olck" typeface="Nirmala UI"/>
+        <a:font script="Osma" typeface="Ebrima"/>
+        <a:font script="Phag" typeface="Phagspa"/>
+        <a:font script="Syrn" typeface="Estrangelo Edessa"/>
+        <a:font script="Syrj" typeface="Estrangelo Edessa"/>
+        <a:font script="Syre" typeface="Estrangelo Edessa"/>
+        <a:font script="Sora" typeface="Nirmala UI"/>
+        <a:font script="Tale" typeface="Microsoft Tai Le"/>
+        <a:font script="Talu" typeface="Microsoft New Tai Lue"/>
+        <a:font script="Tfng" typeface="Ebrima"/>
+      </a:majorFont>
+      <a:minorFont>
+        <a:latin typeface="Calibri" panose="020F0502020204030204"/>
+        <a:ea typeface=""/>
+        <a:cs typeface=""/>
+        <a:font script="Jpan" typeface="游ゴシック"/>
+        <a:font script="Hang" typeface="맑은 고딕"/>
+        <a:font script="Hans" typeface="等线"/>
+        <a:font script="Hant" typeface="新細明體"/>
+        <a:font script="Arab" typeface="Arial"/>
+        <a:font script="Hebr" typeface="Arial"/>
+        <a:font script="Thai" typeface="Cordia New"/>
+        <a:font script="Ethi" typeface="Nyala"/>
+        <a:font script="Beng" typeface="Vrinda"/>
+        <a:font script="Gujr" typeface="Shruti"/>
+        <a:font script="Khmr" typeface="DaunPenh"/>
+        <a:font script="Knda" typeface="Tunga"/>
+        <a:font script="Guru" typeface="Raavi"/>
+        <a:font script="Cans" typeface="Euphemia"/>
+        <a:font script="Cher" typeface="Plantagenet Cherokee"/>
+        <a:font script="Yiii" typeface="Microsoft Yi Baiti"/>
+        <a:font script="Tibt" typeface="Microsoft Himalaya"/>
+        <a:font script="Thaa" typeface="MV Boli"/>
+        <a:font script="Deva" typeface="Mangal"/>
+        <a:font script="Telu" typeface="Gautami"/>
+        <a:font script="Taml" typeface="Latha"/>
+        <a:font script="Syrc" typeface="Estrangelo Edessa"/>
+        <a:font script="Orya" typeface="Kalinga"/>
+        <a:font script="Mlym" typeface="Kartika"/>
+        <a:font script="Laoo" typeface="DokChampa"/>
+        <a:font script="Sinh" typeface="Iskoola Pota"/>
+        <a:font script="Mong" typeface="Mongolian Baiti"/>
+        <a:font script="Viet" typeface="Arial"/>
+        <a:font script="Uigh" typeface="Microsoft Uighur"/>
+        <a:font script="Geor" typeface="Sylfaen"/>
+        <a:font script="Armn" typeface="Arial"/>
+        <a:font script="Bugi" typeface="Leelawadee UI"/>
+        <a:font script="Bopo" typeface="Microsoft JhengHei"/>
+        <a:font script="Java" typeface="Javanese Text"/>
+        <a:font script="Lisu" typeface="Segoe UI"/>
+        <a:font script="Mymr" typeface="Myanmar Text"/>
+        <a:font script="Nkoo" typeface="Ebrima"/>
+        <a:font script="Olck" typeface="Nirmala UI"/>
+        <a:font script="Osma" typeface="Ebrima"/>
+        <a:font script="Phag" typeface="Phagspa"/>
+        <a:font script="Syrn" typeface="Estrangelo Edessa"/>
+        <a:font script="Syrj" typeface="Estrangelo Edessa"/>
+        <a:font script="Syre" typeface="Estrangelo Edessa"/>
+        <a:font script="Sora" typeface="Nirmala UI"/>
+        <a:font script="Tale" typeface="Microsoft Tai Le"/>
+        <a:font script="Talu" typeface="Microsoft New Tai Lue"/>
+        <a:font script="Tfng" typeface="Ebrima"/>
+      </a:minorFont>
+    </a:fontScheme>
+    <a:fmtScheme name="Office">
+      <a:fillStyleLst>
+        <a:solidFill>
+          <a:schemeClr val="phClr"/>
+        </a:solidFill>
+        <a:gradFill rotWithShape="1">
+          <a:gsLst>
+            <a:gs pos="0">
+              <a:schemeClr val="phClr">
+                <a:lumMod val="110000"/>
+                <a:satMod val="105000"/>
+                <a:tint val="67000"/>
+              </a:schemeClr>
+            </a:gs>
+            <a:gs pos="50000">
+              <a:schemeClr val="phClr">
+                <a:lumMod val="105000"/>
+                <a:satMod val="103000"/>
+                <a:tint val="73000"/>
+              </a:schemeClr>
+            </a:gs>
+            <a:gs pos="100000">
+              <a:schemeClr val="phClr">
+                <a:lumMod val="105000"/>
+                <a:satMod val="109000"/>
+                <a:tint val="81000"/>
+              </a:schemeClr>
+            </a:gs>
+          </a:gsLst>
+          <a:lin ang="5400000" scaled="0"/>
+        </a:gradFill>
+        <a:gradFill rotWithShape="1">
+          <a:gsLst>
+            <a:gs pos="0">
+              <a:schemeClr val="phClr">
+                <a:satMod val="103000"/>
+                <a:lumMod val="102000"/>
+                <a:tint val="94000"/>
+              </a:schemeClr>
+            </a:gs>
+            <a:gs pos="50000">
+              <a:schemeClr val="phClr">
+                <a:satMod val="110000"/>
+                <a:lumMod val="100000"/>
+                <a:shade val="100000"/>
+              </a:schemeClr>
+            </a:gs>
+            <a:gs pos="100000">
+              <a:schemeClr val="phClr">
+                <a:lumMod val="99000"/>
+                <a:satMod val="120000"/>
+                <a:shade val="78000"/>
+              </a:schemeClr>
+            </a:gs>
+          </a:gsLst>
+          <a:lin ang="5400000" scaled="0"/>
+        </a:gradFill>
+      </a:fillStyleLst>
+      <a:lnStyleLst>
+        <a:ln w="6350" cap="flat" cmpd="sng" algn="ctr">
+          <a:solidFill>
+            <a:schemeClr val="phClr"/>
+          </a:solidFill>
+          <a:prstDash val="solid"/>
+          <a:miter lim="800000"/>
+        </a:ln>
+        <a:ln w="12700" cap="flat" cmpd="sng" algn="ctr">
+          <a:solidFill>
+            <a:schemeClr val="phClr"/>
+          </a:solidFill>
+          <a:prstDash val="solid"/>
+          <a:miter lim="800000"/>
+        </a:ln>
+        <a:ln w="19050" cap="flat" cmpd="sng" algn="ctr">
+          <a:solidFill>
+            <a:schemeClr val="phClr"/>
+          </a:solidFill>
+          <a:prstDash val="solid"/>
+          <a:miter lim="800000"/>
+        </a:ln>
+      </a:lnStyleLst>
+      <a:effectStyleLst>
+        <a:effectStyle>
+          <a:effectLst/>
+        </a:effectStyle>
+        <a:effectStyle>
+          <a:effectLst/>
+        </a:effectStyle>
+        <a:effectStyle>
+          <a:effectLst>
+            <a:outerShdw blurRad="57150" dist="19050" dir="5400000" algn="ctr" rotWithShape="0">
+              <a:srgbClr val="000000">
+                <a:alpha val="63000"/>
+              </a:srgbClr>
+            </a:outerShdw>
+          </a:effectLst>
+        </a:effectStyle>
+      </a:effectStyleLst>
+      <a:bgFillStyleLst>
+        <a:solidFill>
+          <a:schemeClr val="phClr"/>
+        </a:solidFill>
+        <a:solidFill>
+          <a:schemeClr val="phClr">
+            <a:tint val="95000"/>
+            <a:satMod val="170000"/>
+          </a:schemeClr>
+        </a:solidFill>
+        <a:gradFill rotWithShape="1">
+          <a:gsLst>
+            <a:gs pos="0">
+              <a:schemeClr val="phClr">
+                <a:tint val="93000"/>
+                <a:satMod val="150000"/>
+                <a:shade val="98000"/>
+                <a:lumMod val="102000"/>
+              </a:schemeClr>
+            </a:gs>
+            <a:gs pos="50000">
+              <a:schemeClr val="phClr">
+                <a:tint val="98000"/>
+                <a:satMod val="130000"/>
+                <a:shade val="90000"/>
+                <a:lumMod val="103000"/>
+              </a:schemeClr>
+            </a:gs>
+            <a:gs pos="100000">
+              <a:schemeClr val="phClr">
+                <a:shade val="63000"/>
+                <a:satMod val="120000"/>
+              </a:schemeClr>
+            </a:gs>
+          </a:gsLst>
+          <a:lin ang="5400000" scaled="0"/>
+        </a:gradFill>
+      </a:bgFillStyleLst>
+    </a:fmtScheme>
+  </a:themeElements>
+  <a:objectDefaults/>
+  <a:extraClrSchemeLst/>
+  <a:extLst>
+    <a:ext uri="{05A4C25C-085E-4340-85A3-A5531E510DB2}">
+      <thm15:themeFamily xmlns:thm15="http://schemas.microsoft.com/office/thememl/2012/main" name="Office Theme" id="{62F939B6-93AF-4DB8-9C6B-D6C7DFDC589F}" vid="{4A3C46E8-61CC-4603-A589-7422A47A8E4A}"/>
+    </a:ext>
+  </a:extLst>
+</a:theme>
 </file>
--- a/Project4_presentation.pptx
+++ b/Project4_presentation.pptx
@@ -7514,22 +7514,13 @@
               <a:buChar char="Ø"/>
             </a:pPr>
             <a:r>
-              <a:rPr lang="en-US" dirty="0" err="1">
+              <a:rPr lang="en-US" dirty="0">
                 <a:solidFill>
                   <a:schemeClr val="tx1"/>
                 </a:solidFill>
                 <a:latin typeface="Bookman Old Style" panose="02050604050505020204" pitchFamily="18" charset="0"/>
               </a:rPr>
-              <a:t>Github</a:t>
-            </a:r>
-            <a:r>
-              <a:rPr lang="en-US" dirty="0">
-                <a:solidFill>
-                  <a:schemeClr val="tx1"/>
-                </a:solidFill>
-                <a:latin typeface="Bookman Old Style" panose="02050604050505020204" pitchFamily="18" charset="0"/>
-              </a:rPr>
-              <a:t> debacle.</a:t>
+              <a:t>GitHub debacle.</a:t>
             </a:r>
           </a:p>
           <a:p>
